--- a/lectures/week6/lecture1/slides/week6_lecture1.pptx
+++ b/lectures/week6/lecture1/slides/week6_lecture1.pptx
@@ -31,10 +31,13 @@
     <p:sldId id="341" r:id="rId25"/>
     <p:sldId id="342" r:id="rId26"/>
     <p:sldId id="343" r:id="rId27"/>
-    <p:sldId id="266" r:id="rId28"/>
-    <p:sldId id="344" r:id="rId29"/>
-    <p:sldId id="324" r:id="rId30"/>
-    <p:sldId id="325" r:id="rId31"/>
+    <p:sldId id="352" r:id="rId28"/>
+    <p:sldId id="353" r:id="rId29"/>
+    <p:sldId id="354" r:id="rId30"/>
+    <p:sldId id="266" r:id="rId31"/>
+    <p:sldId id="344" r:id="rId32"/>
+    <p:sldId id="324" r:id="rId33"/>
+    <p:sldId id="325" r:id="rId34"/>
   </p:sldIdLst>
   <p:sldSz cx="12192000" cy="6858000"/>
   <p:notesSz cx="6858000" cy="9144000"/>
@@ -6374,8 +6377,13 @@
             </a:r>
             <a:r>
               <a:rPr lang="en-US" dirty="0"/>
-              <a:t> Wordle</a:t>
-            </a:r>
+              <a:t> </a:t>
+            </a:r>
+            <a:r>
+              <a:rPr lang="en-US" dirty="0" err="1"/>
+              <a:t>Madlibs</a:t>
+            </a:r>
+            <a:endParaRPr lang="en-US" dirty="0"/>
           </a:p>
         </p:txBody>
       </p:sp>
@@ -9566,12 +9574,7 @@
             <p:ph type="title"/>
           </p:nvPr>
         </p:nvSpPr>
-        <p:spPr>
-          <a:xfrm>
-            <a:off x="838200" y="727514"/>
-            <a:ext cx="10515600" cy="656148"/>
-          </a:xfrm>
-        </p:spPr>
+        <p:spPr/>
         <p:txBody>
           <a:bodyPr>
             <a:normAutofit fontScale="90000"/>
@@ -9581,15 +9584,48 @@
             <a:r>
               <a:rPr lang="en-US" b="1" dirty="0">
                 <a:solidFill>
-                  <a:schemeClr val="accent6"/>
-                </a:solidFill>
-              </a:rPr>
-              <a:t>Breakout Session </a:t>
+                  <a:srgbClr val="00FF00"/>
+                </a:solidFill>
+                <a:latin typeface="Courier New" panose="02070309020205020404" pitchFamily="49" charset="0"/>
+                <a:cs typeface="Courier New" panose="02070309020205020404" pitchFamily="49" charset="0"/>
+              </a:rPr>
+              <a:t>while</a:t>
             </a:r>
             <a:r>
               <a:rPr lang="en-US" b="1" dirty="0"/>
-              <a:t>1</a:t>
-            </a:r>
+              <a:t> </a:t>
+            </a:r>
+            <a:r>
+              <a:rPr lang="en-US" b="1" dirty="0">
+                <a:solidFill>
+                  <a:schemeClr val="accent2"/>
+                </a:solidFill>
+              </a:rPr>
+              <a:t>&amp;</a:t>
+            </a:r>
+            <a:r>
+              <a:rPr lang="en-US" b="1" dirty="0"/>
+              <a:t> </a:t>
+            </a:r>
+            <a:r>
+              <a:rPr lang="en-US" b="1" dirty="0">
+                <a:solidFill>
+                  <a:srgbClr val="00FF00"/>
+                </a:solidFill>
+                <a:latin typeface="Courier New" panose="02070309020205020404" pitchFamily="49" charset="0"/>
+                <a:cs typeface="Courier New" panose="02070309020205020404" pitchFamily="49" charset="0"/>
+              </a:rPr>
+              <a:t>for</a:t>
+            </a:r>
+            <a:r>
+              <a:rPr lang="en-US" b="1" dirty="0"/>
+              <a:t> Loops</a:t>
+            </a:r>
+            <a:endParaRPr lang="en-US" b="1" dirty="0">
+              <a:solidFill>
+                <a:schemeClr val="accent6"/>
+              </a:solidFill>
+            </a:endParaRPr>
           </a:p>
         </p:txBody>
       </p:sp>
@@ -9611,8 +9647,8 @@
         </p:nvSpPr>
         <p:spPr>
           <a:xfrm>
-            <a:off x="838200" y="1825624"/>
-            <a:ext cx="6825915" cy="4900029"/>
+            <a:off x="838201" y="1825624"/>
+            <a:ext cx="4553810" cy="4900029"/>
           </a:xfrm>
         </p:spPr>
         <p:txBody>
@@ -9622,136 +9658,59 @@
           <a:lstStyle/>
           <a:p>
             <a:r>
-              <a:rPr lang="en-US" sz="3200" dirty="0"/>
-              <a:t>Write a function that takes in a string and returns the number of vowels in the string</a:t>
-            </a:r>
-            <a:r>
-              <a:rPr lang="en-US" sz="3200" dirty="0">
-                <a:solidFill>
-                  <a:schemeClr val="accent1"/>
-                </a:solidFill>
-              </a:rPr>
-              <a:t>. (</a:t>
-            </a:r>
-            <a:r>
-              <a:rPr lang="en-US" sz="3200" dirty="0"/>
-              <a:t>use</a:t>
-            </a:r>
-            <a:r>
-              <a:rPr lang="en-US" sz="3200" dirty="0">
-                <a:solidFill>
-                  <a:schemeClr val="accent1"/>
-                </a:solidFill>
-              </a:rPr>
+              <a:rPr lang="en-US" b="1" dirty="0">
+                <a:solidFill>
+                  <a:srgbClr val="00FF00"/>
+                </a:solidFill>
+                <a:latin typeface="Courier New" panose="02070309020205020404" pitchFamily="49" charset="0"/>
+                <a:cs typeface="Courier New" panose="02070309020205020404" pitchFamily="49" charset="0"/>
+              </a:rPr>
+              <a:t>for</a:t>
+            </a:r>
+            <a:r>
+              <a:rPr lang="en-US" dirty="0"/>
+              <a:t> loop or </a:t>
+            </a:r>
+            <a:r>
+              <a:rPr lang="en-US" b="1" dirty="0">
+                <a:solidFill>
+                  <a:srgbClr val="00FF00"/>
+                </a:solidFill>
+                <a:latin typeface="Courier New" panose="02070309020205020404" pitchFamily="49" charset="0"/>
+                <a:cs typeface="Courier New" panose="02070309020205020404" pitchFamily="49" charset="0"/>
+              </a:rPr>
+              <a:t>while</a:t>
+            </a:r>
+            <a:r>
+              <a:rPr lang="en-US" dirty="0"/>
+              <a:t> loop</a:t>
+            </a:r>
+            <a:r>
+              <a:rPr lang="en-US" dirty="0">
+                <a:solidFill>
+                  <a:schemeClr val="accent2"/>
+                </a:solidFill>
+              </a:rPr>
+              <a:t>?</a:t>
+            </a:r>
+            <a:r>
+              <a:rPr lang="en-US" dirty="0"/>
               <a:t> </a:t>
             </a:r>
-            <a:r>
-              <a:rPr lang="en-US" sz="3200" b="1" dirty="0">
-                <a:solidFill>
-                  <a:schemeClr val="accent6"/>
-                </a:solidFill>
-                <a:latin typeface="Courier New" panose="02070309020205020404" pitchFamily="49" charset="0"/>
-                <a:cs typeface="Courier New" panose="02070309020205020404" pitchFamily="49" charset="0"/>
-              </a:rPr>
-              <a:t>for</a:t>
-            </a:r>
-            <a:r>
-              <a:rPr lang="en-US" sz="3200" dirty="0">
-                <a:solidFill>
-                  <a:schemeClr val="accent1"/>
-                </a:solidFill>
-              </a:rPr>
-              <a:t> </a:t>
-            </a:r>
-            <a:r>
-              <a:rPr lang="en-US" sz="3200" dirty="0"/>
-              <a:t>loop</a:t>
-            </a:r>
-            <a:r>
-              <a:rPr lang="en-US" sz="3200" dirty="0">
-                <a:solidFill>
-                  <a:schemeClr val="accent1"/>
-                </a:solidFill>
-              </a:rPr>
-              <a:t>)</a:t>
-            </a:r>
-          </a:p>
-          <a:p>
-            <a:r>
-              <a:rPr lang="en-US" sz="3200" dirty="0">
-                <a:solidFill>
-                  <a:schemeClr val="accent6"/>
-                </a:solidFill>
-              </a:rPr>
-              <a:t>Test 1</a:t>
-            </a:r>
-          </a:p>
-          <a:p>
-            <a:pPr lvl="1"/>
-            <a:r>
-              <a:rPr lang="en-US" sz="2800" dirty="0">
-                <a:solidFill>
-                  <a:srgbClr val="00FF00"/>
-                </a:solidFill>
-                <a:latin typeface="Consolas" panose="020B0609020204030204" pitchFamily="49" charset="0"/>
-              </a:rPr>
-              <a:t>count_vowels('Happy Anniversary!')</a:t>
-            </a:r>
-          </a:p>
-          <a:p>
-            <a:pPr lvl="1"/>
-            <a:r>
-              <a:rPr lang="en-US" sz="2800" dirty="0">
-                <a:solidFill>
-                  <a:srgbClr val="00FF00"/>
-                </a:solidFill>
-                <a:latin typeface="Consolas" panose="020B0609020204030204" pitchFamily="49" charset="0"/>
-              </a:rPr>
-              <a:t>5</a:t>
-            </a:r>
-          </a:p>
-          <a:p>
-            <a:r>
-              <a:rPr lang="en-US" sz="3200" dirty="0">
-                <a:solidFill>
-                  <a:schemeClr val="accent6"/>
-                </a:solidFill>
-              </a:rPr>
-              <a:t>Test 2</a:t>
-            </a:r>
-          </a:p>
-          <a:p>
-            <a:pPr lvl="1"/>
-            <a:r>
-              <a:rPr lang="en-US" sz="2800" dirty="0">
-                <a:solidFill>
-                  <a:srgbClr val="00FF00"/>
-                </a:solidFill>
-                <a:latin typeface="Consolas" panose="020B0609020204030204" pitchFamily="49" charset="0"/>
-              </a:rPr>
-              <a:t>count_vowels('xyz')</a:t>
-            </a:r>
-          </a:p>
-          <a:p>
-            <a:pPr lvl="1"/>
-            <a:r>
-              <a:rPr lang="en-US" sz="2800" dirty="0">
-                <a:solidFill>
-                  <a:srgbClr val="00FF00"/>
-                </a:solidFill>
-                <a:latin typeface="Consolas" panose="020B0609020204030204" pitchFamily="49" charset="0"/>
-              </a:rPr>
-              <a:t>0</a:t>
-            </a:r>
-          </a:p>
-        </p:txBody>
-      </p:sp>
-      <p:sp>
-        <p:nvSpPr>
-          <p:cNvPr id="11" name="Rectangle: Rounded Corners 10">
-            <a:extLst>
-              <a:ext uri="{FF2B5EF4-FFF2-40B4-BE49-F238E27FC236}">
-                <a16:creationId xmlns:a16="http://schemas.microsoft.com/office/drawing/2014/main" id="{2AD12892-252D-47E8-9C1B-32729A13BC0B}"/>
+            <a:endParaRPr lang="en-US" dirty="0">
+              <a:solidFill>
+                <a:schemeClr val="accent6"/>
+              </a:solidFill>
+            </a:endParaRPr>
+          </a:p>
+        </p:txBody>
+      </p:sp>
+      <p:sp>
+        <p:nvSpPr>
+          <p:cNvPr id="4" name="Rectangle: Rounded Corners 3">
+            <a:extLst>
+              <a:ext uri="{FF2B5EF4-FFF2-40B4-BE49-F238E27FC236}">
+                <a16:creationId xmlns:a16="http://schemas.microsoft.com/office/drawing/2014/main" id="{2C31784B-D1D2-4AC4-804A-F98336B4D789}"/>
               </a:ext>
             </a:extLst>
           </p:cNvPr>
@@ -9760,8 +9719,8 @@
         </p:nvSpPr>
         <p:spPr>
           <a:xfrm>
-            <a:off x="7844590" y="1949006"/>
-            <a:ext cx="3958389" cy="4418765"/>
+            <a:off x="9893218" y="837312"/>
+            <a:ext cx="1940888" cy="1744316"/>
           </a:xfrm>
           <a:prstGeom prst="roundRect">
             <a:avLst/>
@@ -9793,66 +9752,132 @@
           <a:bodyPr rtlCol="0" anchor="ctr"/>
           <a:lstStyle/>
           <a:p>
-            <a:r>
-              <a:rPr lang="en-US" sz="4400" b="1" dirty="0">
+            <a:pPr algn="ctr"/>
+            <a:r>
+              <a:rPr lang="en-US" sz="2400" b="1" dirty="0">
                 <a:solidFill>
                   <a:srgbClr val="FFFFFF"/>
                 </a:solidFill>
               </a:rPr>
-              <a:t>Open your notebook</a:t>
-            </a:r>
-          </a:p>
-          <a:p>
-            <a:endParaRPr lang="en-US" sz="4400" b="1" dirty="0">
-              <a:solidFill>
-                <a:srgbClr val="FFFFFF"/>
-              </a:solidFill>
-            </a:endParaRPr>
-          </a:p>
-          <a:p>
+              <a:t>List of Customers</a:t>
+            </a:r>
+          </a:p>
+        </p:txBody>
+      </p:sp>
+      <p:sp>
+        <p:nvSpPr>
+          <p:cNvPr id="5" name="Oval 4">
+            <a:extLst>
+              <a:ext uri="{FF2B5EF4-FFF2-40B4-BE49-F238E27FC236}">
+                <a16:creationId xmlns:a16="http://schemas.microsoft.com/office/drawing/2014/main" id="{0D6B4462-C1F9-4A9B-A463-77B7999D3F7C}"/>
+              </a:ext>
+            </a:extLst>
+          </p:cNvPr>
+          <p:cNvSpPr/>
+          <p:nvPr/>
+        </p:nvSpPr>
+        <p:spPr>
+          <a:xfrm>
+            <a:off x="5276975" y="3120758"/>
+            <a:ext cx="3274143" cy="3274143"/>
+          </a:xfrm>
+          <a:prstGeom prst="ellipse">
+            <a:avLst/>
+          </a:prstGeom>
+          <a:noFill/>
+          <a:ln w="76200">
+            <a:solidFill>
+              <a:schemeClr val="accent2"/>
+            </a:solidFill>
+          </a:ln>
+        </p:spPr>
+        <p:style>
+          <a:lnRef idx="2">
+            <a:schemeClr val="accent1">
+              <a:shade val="50000"/>
+            </a:schemeClr>
+          </a:lnRef>
+          <a:fillRef idx="1">
+            <a:schemeClr val="accent1"/>
+          </a:fillRef>
+          <a:effectRef idx="0">
+            <a:schemeClr val="accent1"/>
+          </a:effectRef>
+          <a:fontRef idx="minor">
+            <a:schemeClr val="lt1"/>
+          </a:fontRef>
+        </p:style>
+        <p:txBody>
+          <a:bodyPr rtlCol="0" anchor="ctr"/>
+          <a:lstStyle/>
+          <a:p>
+            <a:pPr algn="ctr"/>
             <a:r>
               <a:rPr lang="en-US" sz="2800" b="1" dirty="0">
                 <a:solidFill>
                   <a:srgbClr val="FFFFFF"/>
                 </a:solidFill>
               </a:rPr>
-              <a:t>Click Link</a:t>
-            </a:r>
-            <a:r>
-              <a:rPr lang="en-US" sz="2800" b="1" dirty="0">
-                <a:solidFill>
-                  <a:schemeClr val="accent6"/>
-                </a:solidFill>
-              </a:rPr>
-              <a:t>:</a:t>
-            </a:r>
-          </a:p>
-          <a:p>
-            <a:r>
-              <a:rPr lang="en-US" sz="2800" b="1" dirty="0">
-                <a:solidFill>
-                  <a:schemeClr val="accent6"/>
-                </a:solidFill>
-              </a:rPr>
-              <a:t>3. </a:t>
-            </a:r>
-            <a:r>
-              <a:rPr lang="en-US" sz="2600" b="1" dirty="0">
-                <a:solidFill>
-                  <a:schemeClr val="accent6"/>
-                </a:solidFill>
-              </a:rPr>
-              <a:t>Breakout Session 1</a:t>
-            </a:r>
-          </a:p>
-        </p:txBody>
-      </p:sp>
-      <p:sp>
-        <p:nvSpPr>
-          <p:cNvPr id="4" name="TextBox 3">
-            <a:extLst>
-              <a:ext uri="{FF2B5EF4-FFF2-40B4-BE49-F238E27FC236}">
-                <a16:creationId xmlns:a16="http://schemas.microsoft.com/office/drawing/2014/main" id="{6676C54F-E834-416E-98EA-ADECA9251F71}"/>
+              <a:t>Send Promotional Email</a:t>
+            </a:r>
+          </a:p>
+        </p:txBody>
+      </p:sp>
+      <p:sp>
+        <p:nvSpPr>
+          <p:cNvPr id="6" name="Arrow: Right 5">
+            <a:extLst>
+              <a:ext uri="{FF2B5EF4-FFF2-40B4-BE49-F238E27FC236}">
+                <a16:creationId xmlns:a16="http://schemas.microsoft.com/office/drawing/2014/main" id="{3AB7A9E8-073A-4922-A93D-4FF5B3DCB72A}"/>
+              </a:ext>
+            </a:extLst>
+          </p:cNvPr>
+          <p:cNvSpPr/>
+          <p:nvPr/>
+        </p:nvSpPr>
+        <p:spPr>
+          <a:xfrm flipH="1">
+            <a:off x="2601620" y="4442213"/>
+            <a:ext cx="2194559" cy="631231"/>
+          </a:xfrm>
+          <a:prstGeom prst="rightArrow">
+            <a:avLst/>
+          </a:prstGeom>
+          <a:ln>
+            <a:noFill/>
+          </a:ln>
+        </p:spPr>
+        <p:style>
+          <a:lnRef idx="2">
+            <a:schemeClr val="accent1">
+              <a:shade val="50000"/>
+            </a:schemeClr>
+          </a:lnRef>
+          <a:fillRef idx="1">
+            <a:schemeClr val="accent1"/>
+          </a:fillRef>
+          <a:effectRef idx="0">
+            <a:schemeClr val="accent1"/>
+          </a:effectRef>
+          <a:fontRef idx="minor">
+            <a:schemeClr val="lt1"/>
+          </a:fontRef>
+        </p:style>
+        <p:txBody>
+          <a:bodyPr rtlCol="0" anchor="ctr"/>
+          <a:lstStyle/>
+          <a:p>
+            <a:pPr algn="ctr"/>
+            <a:endParaRPr lang="en-US"/>
+          </a:p>
+        </p:txBody>
+      </p:sp>
+      <p:sp>
+        <p:nvSpPr>
+          <p:cNvPr id="7" name="TextBox 6">
+            <a:extLst>
+              <a:ext uri="{FF2B5EF4-FFF2-40B4-BE49-F238E27FC236}">
+                <a16:creationId xmlns:a16="http://schemas.microsoft.com/office/drawing/2014/main" id="{CCA0881C-07D1-4F04-9CD5-60FAB9F3BF33}"/>
               </a:ext>
             </a:extLst>
           </p:cNvPr>
@@ -9861,8 +9886,8 @@
         </p:nvSpPr>
         <p:spPr>
           <a:xfrm>
-            <a:off x="8276795" y="973836"/>
-            <a:ext cx="2918748" cy="461665"/>
+            <a:off x="1416087" y="4496218"/>
+            <a:ext cx="1103187" cy="523220"/>
           </a:xfrm>
           <a:prstGeom prst="rect">
             <a:avLst/>
@@ -9876,100 +9901,98 @@
           <a:lstStyle/>
           <a:p>
             <a:r>
-              <a:rPr lang="en-US" sz="2400" b="1" dirty="0">
+              <a:rPr lang="en-US" sz="2800" b="1" dirty="0">
                 <a:solidFill>
                   <a:srgbClr val="FFFFFF"/>
                 </a:solidFill>
               </a:rPr>
-              <a:t>Vowels</a:t>
-            </a:r>
-            <a:r>
-              <a:rPr lang="en-US" sz="2400" b="1" dirty="0">
-                <a:solidFill>
-                  <a:schemeClr val="accent3"/>
-                </a:solidFill>
-              </a:rPr>
-              <a:t>:</a:t>
-            </a:r>
-            <a:r>
-              <a:rPr lang="en-US" sz="2400" b="1" dirty="0">
+              <a:t>Email</a:t>
+            </a:r>
+          </a:p>
+        </p:txBody>
+      </p:sp>
+      <p:pic>
+        <p:nvPicPr>
+          <p:cNvPr id="1026" name="Picture 2" descr="Cycle PNG Images, Free Clipart Cycles Download - Free Transparent PNG Logos">
+            <a:extLst>
+              <a:ext uri="{FF2B5EF4-FFF2-40B4-BE49-F238E27FC236}">
+                <a16:creationId xmlns:a16="http://schemas.microsoft.com/office/drawing/2014/main" id="{02C69A0C-701A-41B7-B899-4F809C7C6416}"/>
+              </a:ext>
+            </a:extLst>
+          </p:cNvPr>
+          <p:cNvPicPr>
+            <a:picLocks noChangeAspect="1" noChangeArrowheads="1"/>
+          </p:cNvPicPr>
+          <p:nvPr/>
+        </p:nvPicPr>
+        <p:blipFill>
+          <a:blip r:embed="rId2">
+            <a:extLst>
+              <a:ext uri="{28A0092B-C50C-407E-A947-70E740481C1C}">
+                <a14:useLocalDpi xmlns:a14="http://schemas.microsoft.com/office/drawing/2010/main" val="0"/>
+              </a:ext>
+            </a:extLst>
+          </a:blip>
+          <a:srcRect/>
+          <a:stretch>
+            <a:fillRect/>
+          </a:stretch>
+        </p:blipFill>
+        <p:spPr bwMode="auto">
+          <a:xfrm flipH="1" flipV="1">
+            <a:off x="8371185" y="2466100"/>
+            <a:ext cx="1616421" cy="1616421"/>
+          </a:xfrm>
+          <a:prstGeom prst="rect">
+            <a:avLst/>
+          </a:prstGeom>
+          <a:noFill/>
+          <a:extLst>
+            <a:ext uri="{909E8E84-426E-40DD-AFC4-6F175D3DCCD1}">
+              <a14:hiddenFill xmlns:a14="http://schemas.microsoft.com/office/drawing/2010/main">
                 <a:solidFill>
                   <a:srgbClr val="FFFFFF"/>
                 </a:solidFill>
-              </a:rPr>
-              <a:t> a</a:t>
-            </a:r>
-            <a:r>
-              <a:rPr lang="en-US" sz="2400" b="1" dirty="0">
-                <a:solidFill>
-                  <a:schemeClr val="accent3"/>
-                </a:solidFill>
-              </a:rPr>
-              <a:t>,</a:t>
-            </a:r>
-            <a:r>
-              <a:rPr lang="en-US" sz="2400" b="1" dirty="0">
+              </a14:hiddenFill>
+            </a:ext>
+          </a:extLst>
+        </p:spPr>
+      </p:pic>
+      <p:sp>
+        <p:nvSpPr>
+          <p:cNvPr id="10" name="TextBox 9">
+            <a:extLst>
+              <a:ext uri="{FF2B5EF4-FFF2-40B4-BE49-F238E27FC236}">
+                <a16:creationId xmlns:a16="http://schemas.microsoft.com/office/drawing/2014/main" id="{6FDE1E47-C1E8-4BBC-BF41-6DF5197226B2}"/>
+              </a:ext>
+            </a:extLst>
+          </p:cNvPr>
+          <p:cNvSpPr txBox="1"/>
+          <p:nvPr/>
+        </p:nvSpPr>
+        <p:spPr>
+          <a:xfrm>
+            <a:off x="7473741" y="1776710"/>
+            <a:ext cx="1574470" cy="523220"/>
+          </a:xfrm>
+          <a:prstGeom prst="rect">
+            <a:avLst/>
+          </a:prstGeom>
+          <a:noFill/>
+        </p:spPr>
+        <p:txBody>
+          <a:bodyPr wrap="none" rtlCol="0">
+            <a:spAutoFit/>
+          </a:bodyPr>
+          <a:lstStyle/>
+          <a:p>
+            <a:r>
+              <a:rPr lang="en-US" sz="2800" b="1" dirty="0">
                 <a:solidFill>
                   <a:srgbClr val="FFFFFF"/>
                 </a:solidFill>
               </a:rPr>
-              <a:t> e</a:t>
-            </a:r>
-            <a:r>
-              <a:rPr lang="en-US" sz="2400" b="1" dirty="0">
-                <a:solidFill>
-                  <a:schemeClr val="accent3"/>
-                </a:solidFill>
-              </a:rPr>
-              <a:t>,</a:t>
-            </a:r>
-            <a:r>
-              <a:rPr lang="en-US" sz="2400" b="1" dirty="0">
-                <a:solidFill>
-                  <a:srgbClr val="FFFFFF"/>
-                </a:solidFill>
-              </a:rPr>
-              <a:t> I</a:t>
-            </a:r>
-            <a:r>
-              <a:rPr lang="en-US" sz="2400" b="1" dirty="0">
-                <a:solidFill>
-                  <a:schemeClr val="accent3"/>
-                </a:solidFill>
-              </a:rPr>
-              <a:t>,</a:t>
-            </a:r>
-            <a:r>
-              <a:rPr lang="en-US" sz="2400" b="1" dirty="0">
-                <a:solidFill>
-                  <a:srgbClr val="FFFFFF"/>
-                </a:solidFill>
-              </a:rPr>
-              <a:t> o</a:t>
-            </a:r>
-            <a:r>
-              <a:rPr lang="en-US" sz="2400" b="1" dirty="0">
-                <a:solidFill>
-                  <a:schemeClr val="accent3"/>
-                </a:solidFill>
-              </a:rPr>
-              <a:t>,</a:t>
-            </a:r>
-            <a:r>
-              <a:rPr lang="en-US" sz="2400" b="1" dirty="0">
-                <a:solidFill>
-                  <a:srgbClr val="FFFFFF"/>
-                </a:solidFill>
-              </a:rPr>
-              <a:t> u</a:t>
-            </a:r>
-            <a:r>
-              <a:rPr lang="en-US" sz="2400" b="1" dirty="0">
-                <a:solidFill>
-                  <a:schemeClr val="accent3"/>
-                </a:solidFill>
-              </a:rPr>
-              <a:t>.</a:t>
+              <a:t>Looping</a:t>
             </a:r>
           </a:p>
         </p:txBody>
@@ -9977,7 +10000,7 @@
     </p:spTree>
     <p:extLst>
       <p:ext uri="{BB962C8B-B14F-4D97-AF65-F5344CB8AC3E}">
-        <p14:creationId xmlns:p14="http://schemas.microsoft.com/office/powerpoint/2010/main" val="1488241433"/>
+        <p14:creationId xmlns:p14="http://schemas.microsoft.com/office/powerpoint/2010/main" val="2426844338"/>
       </p:ext>
     </p:extLst>
   </p:cSld>
@@ -10020,12 +10043,7 @@
             <p:ph type="title"/>
           </p:nvPr>
         </p:nvSpPr>
-        <p:spPr>
-          <a:xfrm>
-            <a:off x="838200" y="727514"/>
-            <a:ext cx="10515600" cy="656148"/>
-          </a:xfrm>
-        </p:spPr>
+        <p:spPr/>
         <p:txBody>
           <a:bodyPr>
             <a:normAutofit fontScale="90000"/>
@@ -10035,15 +10053,48 @@
             <a:r>
               <a:rPr lang="en-US" b="1" dirty="0">
                 <a:solidFill>
-                  <a:schemeClr val="accent6"/>
-                </a:solidFill>
-              </a:rPr>
-              <a:t>Breakout Session </a:t>
+                  <a:srgbClr val="00FF00"/>
+                </a:solidFill>
+                <a:latin typeface="Courier New" panose="02070309020205020404" pitchFamily="49" charset="0"/>
+                <a:cs typeface="Courier New" panose="02070309020205020404" pitchFamily="49" charset="0"/>
+              </a:rPr>
+              <a:t>while</a:t>
             </a:r>
             <a:r>
               <a:rPr lang="en-US" b="1" dirty="0"/>
-              <a:t>2</a:t>
-            </a:r>
+              <a:t> </a:t>
+            </a:r>
+            <a:r>
+              <a:rPr lang="en-US" b="1" dirty="0">
+                <a:solidFill>
+                  <a:schemeClr val="accent2"/>
+                </a:solidFill>
+              </a:rPr>
+              <a:t>&amp;</a:t>
+            </a:r>
+            <a:r>
+              <a:rPr lang="en-US" b="1" dirty="0"/>
+              <a:t> </a:t>
+            </a:r>
+            <a:r>
+              <a:rPr lang="en-US" b="1" dirty="0">
+                <a:solidFill>
+                  <a:srgbClr val="00FF00"/>
+                </a:solidFill>
+                <a:latin typeface="Courier New" panose="02070309020205020404" pitchFamily="49" charset="0"/>
+                <a:cs typeface="Courier New" panose="02070309020205020404" pitchFamily="49" charset="0"/>
+              </a:rPr>
+              <a:t>for</a:t>
+            </a:r>
+            <a:r>
+              <a:rPr lang="en-US" b="1" dirty="0"/>
+              <a:t> Loops</a:t>
+            </a:r>
+            <a:endParaRPr lang="en-US" b="1" dirty="0">
+              <a:solidFill>
+                <a:schemeClr val="accent6"/>
+              </a:solidFill>
+            </a:endParaRPr>
           </a:p>
         </p:txBody>
       </p:sp>
@@ -10065,171 +10116,70 @@
         </p:nvSpPr>
         <p:spPr>
           <a:xfrm>
-            <a:off x="838200" y="1825624"/>
-            <a:ext cx="6825915" cy="4900029"/>
+            <a:off x="838201" y="1825624"/>
+            <a:ext cx="4553810" cy="4900029"/>
           </a:xfrm>
         </p:spPr>
         <p:txBody>
           <a:bodyPr>
-            <a:normAutofit lnSpcReduction="10000"/>
+            <a:normAutofit/>
           </a:bodyPr>
           <a:lstStyle/>
           <a:p>
             <a:r>
-              <a:rPr lang="en-US" sz="3200" dirty="0"/>
-              <a:t>Write a function to return the unique separators in a string of integer codes</a:t>
-            </a:r>
-            <a:r>
-              <a:rPr lang="en-US" sz="3200" dirty="0">
-                <a:solidFill>
-                  <a:schemeClr val="accent1"/>
-                </a:solidFill>
-              </a:rPr>
-              <a:t>. (</a:t>
-            </a:r>
-            <a:r>
-              <a:rPr lang="en-US" sz="3200" dirty="0"/>
-              <a:t>use</a:t>
-            </a:r>
-            <a:r>
-              <a:rPr lang="en-US" sz="3200" dirty="0">
-                <a:solidFill>
-                  <a:schemeClr val="accent1"/>
-                </a:solidFill>
-              </a:rPr>
+              <a:rPr lang="en-US" b="1" dirty="0">
+                <a:solidFill>
+                  <a:srgbClr val="00FF00"/>
+                </a:solidFill>
+                <a:latin typeface="Courier New" panose="02070309020205020404" pitchFamily="49" charset="0"/>
+                <a:cs typeface="Courier New" panose="02070309020205020404" pitchFamily="49" charset="0"/>
+              </a:rPr>
+              <a:t>for</a:t>
+            </a:r>
+            <a:r>
+              <a:rPr lang="en-US" dirty="0"/>
+              <a:t> loop or </a:t>
+            </a:r>
+            <a:r>
+              <a:rPr lang="en-US" b="1" dirty="0">
+                <a:solidFill>
+                  <a:srgbClr val="00FF00"/>
+                </a:solidFill>
+                <a:latin typeface="Courier New" panose="02070309020205020404" pitchFamily="49" charset="0"/>
+                <a:cs typeface="Courier New" panose="02070309020205020404" pitchFamily="49" charset="0"/>
+              </a:rPr>
+              <a:t>while</a:t>
+            </a:r>
+            <a:r>
+              <a:rPr lang="en-US" dirty="0"/>
+              <a:t> loop</a:t>
+            </a:r>
+            <a:r>
+              <a:rPr lang="en-US" dirty="0">
+                <a:solidFill>
+                  <a:schemeClr val="accent2"/>
+                </a:solidFill>
+              </a:rPr>
+              <a:t>?</a:t>
+            </a:r>
+            <a:r>
+              <a:rPr lang="en-US" dirty="0"/>
               <a:t> </a:t>
             </a:r>
-            <a:r>
-              <a:rPr lang="en-US" sz="3200" b="1" dirty="0">
-                <a:solidFill>
-                  <a:schemeClr val="accent6"/>
-                </a:solidFill>
-                <a:latin typeface="Courier New" panose="02070309020205020404" pitchFamily="49" charset="0"/>
-                <a:cs typeface="Courier New" panose="02070309020205020404" pitchFamily="49" charset="0"/>
-              </a:rPr>
-              <a:t>for</a:t>
-            </a:r>
-            <a:r>
-              <a:rPr lang="en-US" sz="3200" dirty="0">
-                <a:solidFill>
-                  <a:schemeClr val="accent1"/>
-                </a:solidFill>
-              </a:rPr>
-              <a:t> </a:t>
-            </a:r>
-            <a:r>
-              <a:rPr lang="en-US" sz="3200" dirty="0"/>
-              <a:t>loop</a:t>
-            </a:r>
-            <a:r>
-              <a:rPr lang="en-US" sz="3200" dirty="0">
-                <a:solidFill>
-                  <a:schemeClr val="accent1"/>
-                </a:solidFill>
-              </a:rPr>
-              <a:t>)</a:t>
-            </a:r>
-          </a:p>
-          <a:p>
-            <a:r>
-              <a:rPr lang="en-US" sz="3200" dirty="0"/>
-              <a:t>The string only contains integers and separators</a:t>
-            </a:r>
-            <a:r>
-              <a:rPr lang="en-US" sz="3200" dirty="0">
-                <a:solidFill>
-                  <a:schemeClr val="accent1"/>
-                </a:solidFill>
-              </a:rPr>
-              <a:t>.</a:t>
-            </a:r>
-          </a:p>
-          <a:p>
-            <a:r>
-              <a:rPr lang="en-US" sz="3200" dirty="0">
-                <a:solidFill>
-                  <a:schemeClr val="accent6"/>
-                </a:solidFill>
-              </a:rPr>
-              <a:t>Test 1</a:t>
-            </a:r>
-          </a:p>
-          <a:p>
-            <a:pPr lvl="1"/>
-            <a:r>
-              <a:rPr lang="en-US" sz="2500" dirty="0">
-                <a:solidFill>
-                  <a:srgbClr val="00FF00"/>
-                </a:solidFill>
-                <a:latin typeface="Consolas" panose="020B0609020204030204" pitchFamily="49" charset="0"/>
-              </a:rPr>
-              <a:t>find_seperators('23,613-23;2:45')</a:t>
-            </a:r>
-          </a:p>
-          <a:p>
-            <a:pPr lvl="1"/>
-            <a:r>
-              <a:rPr lang="en-US" sz="2500" dirty="0">
-                <a:solidFill>
-                  <a:srgbClr val="00FF00"/>
-                </a:solidFill>
-                <a:latin typeface="Consolas" panose="020B0609020204030204" pitchFamily="49" charset="0"/>
-              </a:rPr>
-              <a:t>',-;:'</a:t>
-            </a:r>
-          </a:p>
-          <a:p>
-            <a:pPr lvl="1"/>
-            <a:r>
-              <a:rPr lang="en-US" sz="3200" dirty="0">
-                <a:solidFill>
-                  <a:schemeClr val="accent6"/>
-                </a:solidFill>
-              </a:rPr>
-              <a:t>Test 2</a:t>
-            </a:r>
-          </a:p>
-          <a:p>
-            <a:pPr lvl="1"/>
-            <a:r>
-              <a:rPr lang="en-US" sz="2500" dirty="0">
-                <a:solidFill>
-                  <a:srgbClr val="00FF00"/>
-                </a:solidFill>
-                <a:latin typeface="Consolas" panose="020B0609020204030204" pitchFamily="49" charset="0"/>
-              </a:rPr>
-              <a:t>find_seperators('613-555-3224')</a:t>
-            </a:r>
-          </a:p>
-          <a:p>
-            <a:pPr lvl="1"/>
-            <a:r>
-              <a:rPr lang="en-US" sz="2500" dirty="0">
-                <a:solidFill>
-                  <a:srgbClr val="00FF00"/>
-                </a:solidFill>
-                <a:latin typeface="Consolas" panose="020B0609020204030204" pitchFamily="49" charset="0"/>
-              </a:rPr>
-              <a:t>'-'</a:t>
-            </a:r>
-          </a:p>
-          <a:p>
-            <a:pPr lvl="1"/>
-            <a:endParaRPr lang="en-US" sz="2800" dirty="0">
+            <a:endParaRPr lang="en-US" dirty="0">
               <a:solidFill>
-                <a:srgbClr val="00FF00"/>
+                <a:schemeClr val="accent6"/>
               </a:solidFill>
-              <a:latin typeface="Consolas" panose="020B0609020204030204" pitchFamily="49" charset="0"/>
             </a:endParaRPr>
           </a:p>
         </p:txBody>
       </p:sp>
       <p:sp>
         <p:nvSpPr>
-          <p:cNvPr id="11" name="Rectangle: Rounded Corners 10">
-            <a:extLst>
-              <a:ext uri="{FF2B5EF4-FFF2-40B4-BE49-F238E27FC236}">
-                <a16:creationId xmlns:a16="http://schemas.microsoft.com/office/drawing/2014/main" id="{2AD12892-252D-47E8-9C1B-32729A13BC0B}"/>
+          <p:cNvPr id="4" name="Rectangle: Rounded Corners 3">
+            <a:extLst>
+              <a:ext uri="{FF2B5EF4-FFF2-40B4-BE49-F238E27FC236}">
+                <a16:creationId xmlns:a16="http://schemas.microsoft.com/office/drawing/2014/main" id="{2C31784B-D1D2-4AC4-804A-F98336B4D789}"/>
               </a:ext>
             </a:extLst>
           </p:cNvPr>
@@ -10238,8 +10188,8 @@
         </p:nvSpPr>
         <p:spPr>
           <a:xfrm>
-            <a:off x="7844590" y="1949006"/>
-            <a:ext cx="3958389" cy="4418765"/>
+            <a:off x="9893218" y="837312"/>
+            <a:ext cx="1940888" cy="1744316"/>
           </a:xfrm>
           <a:prstGeom prst="roundRect">
             <a:avLst/>
@@ -10271,30 +10221,73 @@
           <a:bodyPr rtlCol="0" anchor="ctr"/>
           <a:lstStyle/>
           <a:p>
-            <a:r>
-              <a:rPr lang="en-US" sz="4400" b="1" dirty="0">
+            <a:pPr algn="ctr"/>
+            <a:r>
+              <a:rPr lang="en-US" sz="2400" b="1" dirty="0">
                 <a:solidFill>
                   <a:srgbClr val="FFFFFF"/>
                 </a:solidFill>
               </a:rPr>
-              <a:t>Open your notebook</a:t>
-            </a:r>
-          </a:p>
-          <a:p>
-            <a:endParaRPr lang="en-US" sz="4400" b="1" dirty="0">
-              <a:solidFill>
-                <a:srgbClr val="FFFFFF"/>
-              </a:solidFill>
-            </a:endParaRPr>
-          </a:p>
-          <a:p>
+              <a:t>List of Tweets</a:t>
+            </a:r>
+          </a:p>
+        </p:txBody>
+      </p:sp>
+      <p:sp>
+        <p:nvSpPr>
+          <p:cNvPr id="5" name="Oval 4">
+            <a:extLst>
+              <a:ext uri="{FF2B5EF4-FFF2-40B4-BE49-F238E27FC236}">
+                <a16:creationId xmlns:a16="http://schemas.microsoft.com/office/drawing/2014/main" id="{0D6B4462-C1F9-4A9B-A463-77B7999D3F7C}"/>
+              </a:ext>
+            </a:extLst>
+          </p:cNvPr>
+          <p:cNvSpPr/>
+          <p:nvPr/>
+        </p:nvSpPr>
+        <p:spPr>
+          <a:xfrm>
+            <a:off x="5276975" y="3120758"/>
+            <a:ext cx="3274143" cy="3274143"/>
+          </a:xfrm>
+          <a:prstGeom prst="ellipse">
+            <a:avLst/>
+          </a:prstGeom>
+          <a:noFill/>
+          <a:ln w="76200">
+            <a:solidFill>
+              <a:schemeClr val="accent2"/>
+            </a:solidFill>
+          </a:ln>
+        </p:spPr>
+        <p:style>
+          <a:lnRef idx="2">
+            <a:schemeClr val="accent1">
+              <a:shade val="50000"/>
+            </a:schemeClr>
+          </a:lnRef>
+          <a:fillRef idx="1">
+            <a:schemeClr val="accent1"/>
+          </a:fillRef>
+          <a:effectRef idx="0">
+            <a:schemeClr val="accent1"/>
+          </a:effectRef>
+          <a:fontRef idx="minor">
+            <a:schemeClr val="lt1"/>
+          </a:fontRef>
+        </p:style>
+        <p:txBody>
+          <a:bodyPr rtlCol="0" anchor="ctr"/>
+          <a:lstStyle/>
+          <a:p>
+            <a:pPr algn="ctr"/>
             <a:r>
               <a:rPr lang="en-US" sz="2800" b="1" dirty="0">
                 <a:solidFill>
                   <a:srgbClr val="FFFFFF"/>
                 </a:solidFill>
               </a:rPr>
-              <a:t>Click Link</a:t>
+              <a:t>Does the Tweet contain </a:t>
             </a:r>
             <a:r>
               <a:rPr lang="en-US" sz="2800" b="1" dirty="0">
@@ -10302,25 +10295,205 @@
                   <a:schemeClr val="accent6"/>
                 </a:solidFill>
               </a:rPr>
-              <a:t>:</a:t>
-            </a:r>
-          </a:p>
-          <a:p>
+              <a:t>#</a:t>
+            </a:r>
             <a:r>
               <a:rPr lang="en-US" sz="2800" b="1" dirty="0">
                 <a:solidFill>
+                  <a:srgbClr val="FFFFFF"/>
+                </a:solidFill>
+              </a:rPr>
+              <a:t>cleancode</a:t>
+            </a:r>
+          </a:p>
+        </p:txBody>
+      </p:sp>
+      <p:sp>
+        <p:nvSpPr>
+          <p:cNvPr id="6" name="Arrow: Right 5">
+            <a:extLst>
+              <a:ext uri="{FF2B5EF4-FFF2-40B4-BE49-F238E27FC236}">
+                <a16:creationId xmlns:a16="http://schemas.microsoft.com/office/drawing/2014/main" id="{3AB7A9E8-073A-4922-A93D-4FF5B3DCB72A}"/>
+              </a:ext>
+            </a:extLst>
+          </p:cNvPr>
+          <p:cNvSpPr/>
+          <p:nvPr/>
+        </p:nvSpPr>
+        <p:spPr>
+          <a:xfrm flipH="1">
+            <a:off x="2601620" y="4442213"/>
+            <a:ext cx="2194559" cy="631231"/>
+          </a:xfrm>
+          <a:prstGeom prst="rightArrow">
+            <a:avLst/>
+          </a:prstGeom>
+          <a:ln>
+            <a:noFill/>
+          </a:ln>
+        </p:spPr>
+        <p:style>
+          <a:lnRef idx="2">
+            <a:schemeClr val="accent1">
+              <a:shade val="50000"/>
+            </a:schemeClr>
+          </a:lnRef>
+          <a:fillRef idx="1">
+            <a:schemeClr val="accent1"/>
+          </a:fillRef>
+          <a:effectRef idx="0">
+            <a:schemeClr val="accent1"/>
+          </a:effectRef>
+          <a:fontRef idx="minor">
+            <a:schemeClr val="lt1"/>
+          </a:fontRef>
+        </p:style>
+        <p:txBody>
+          <a:bodyPr rtlCol="0" anchor="ctr"/>
+          <a:lstStyle/>
+          <a:p>
+            <a:pPr algn="ctr"/>
+            <a:endParaRPr lang="en-US"/>
+          </a:p>
+        </p:txBody>
+      </p:sp>
+      <p:sp>
+        <p:nvSpPr>
+          <p:cNvPr id="7" name="TextBox 6">
+            <a:extLst>
+              <a:ext uri="{FF2B5EF4-FFF2-40B4-BE49-F238E27FC236}">
+                <a16:creationId xmlns:a16="http://schemas.microsoft.com/office/drawing/2014/main" id="{CCA0881C-07D1-4F04-9CD5-60FAB9F3BF33}"/>
+              </a:ext>
+            </a:extLst>
+          </p:cNvPr>
+          <p:cNvSpPr txBox="1"/>
+          <p:nvPr/>
+        </p:nvSpPr>
+        <p:spPr>
+          <a:xfrm>
+            <a:off x="1215512" y="4496218"/>
+            <a:ext cx="1385123" cy="523220"/>
+          </a:xfrm>
+          <a:prstGeom prst="rect">
+            <a:avLst/>
+          </a:prstGeom>
+          <a:noFill/>
+        </p:spPr>
+        <p:txBody>
+          <a:bodyPr wrap="none" rtlCol="0">
+            <a:spAutoFit/>
+          </a:bodyPr>
+          <a:lstStyle/>
+          <a:p>
+            <a:r>
+              <a:rPr lang="en-US" sz="2800" b="1" dirty="0">
+                <a:solidFill>
+                  <a:srgbClr val="FFFFFF"/>
+                </a:solidFill>
+              </a:rPr>
+              <a:t>Yes</a:t>
+            </a:r>
+            <a:r>
+              <a:rPr lang="en-US" sz="2800" b="1" dirty="0">
+                <a:solidFill>
                   <a:schemeClr val="accent6"/>
                 </a:solidFill>
               </a:rPr>
-              <a:t>4. </a:t>
-            </a:r>
-            <a:r>
-              <a:rPr lang="en-US" sz="2600" b="1" dirty="0">
-                <a:solidFill>
-                  <a:schemeClr val="accent6"/>
-                </a:solidFill>
-              </a:rPr>
-              <a:t>Breakout Session 2</a:t>
+              <a:t>/</a:t>
+            </a:r>
+            <a:r>
+              <a:rPr lang="en-US" sz="2800" b="1" dirty="0">
+                <a:solidFill>
+                  <a:srgbClr val="FFFFFF"/>
+                </a:solidFill>
+              </a:rPr>
+              <a:t>No</a:t>
+            </a:r>
+          </a:p>
+        </p:txBody>
+      </p:sp>
+      <p:pic>
+        <p:nvPicPr>
+          <p:cNvPr id="1026" name="Picture 2" descr="Cycle PNG Images, Free Clipart Cycles Download - Free Transparent PNG Logos">
+            <a:extLst>
+              <a:ext uri="{FF2B5EF4-FFF2-40B4-BE49-F238E27FC236}">
+                <a16:creationId xmlns:a16="http://schemas.microsoft.com/office/drawing/2014/main" id="{02C69A0C-701A-41B7-B899-4F809C7C6416}"/>
+              </a:ext>
+            </a:extLst>
+          </p:cNvPr>
+          <p:cNvPicPr>
+            <a:picLocks noChangeAspect="1" noChangeArrowheads="1"/>
+          </p:cNvPicPr>
+          <p:nvPr/>
+        </p:nvPicPr>
+        <p:blipFill>
+          <a:blip r:embed="rId2">
+            <a:extLst>
+              <a:ext uri="{28A0092B-C50C-407E-A947-70E740481C1C}">
+                <a14:useLocalDpi xmlns:a14="http://schemas.microsoft.com/office/drawing/2010/main" val="0"/>
+              </a:ext>
+            </a:extLst>
+          </a:blip>
+          <a:srcRect/>
+          <a:stretch>
+            <a:fillRect/>
+          </a:stretch>
+        </p:blipFill>
+        <p:spPr bwMode="auto">
+          <a:xfrm flipH="1" flipV="1">
+            <a:off x="8371185" y="2466100"/>
+            <a:ext cx="1616421" cy="1616421"/>
+          </a:xfrm>
+          <a:prstGeom prst="rect">
+            <a:avLst/>
+          </a:prstGeom>
+          <a:noFill/>
+          <a:extLst>
+            <a:ext uri="{909E8E84-426E-40DD-AFC4-6F175D3DCCD1}">
+              <a14:hiddenFill xmlns:a14="http://schemas.microsoft.com/office/drawing/2010/main">
+                <a:solidFill>
+                  <a:srgbClr val="FFFFFF"/>
+                </a:solidFill>
+              </a14:hiddenFill>
+            </a:ext>
+          </a:extLst>
+        </p:spPr>
+      </p:pic>
+      <p:sp>
+        <p:nvSpPr>
+          <p:cNvPr id="10" name="TextBox 9">
+            <a:extLst>
+              <a:ext uri="{FF2B5EF4-FFF2-40B4-BE49-F238E27FC236}">
+                <a16:creationId xmlns:a16="http://schemas.microsoft.com/office/drawing/2014/main" id="{6FDE1E47-C1E8-4BBC-BF41-6DF5197226B2}"/>
+              </a:ext>
+            </a:extLst>
+          </p:cNvPr>
+          <p:cNvSpPr txBox="1"/>
+          <p:nvPr/>
+        </p:nvSpPr>
+        <p:spPr>
+          <a:xfrm>
+            <a:off x="7473741" y="1776710"/>
+            <a:ext cx="1574470" cy="523220"/>
+          </a:xfrm>
+          <a:prstGeom prst="rect">
+            <a:avLst/>
+          </a:prstGeom>
+          <a:noFill/>
+        </p:spPr>
+        <p:txBody>
+          <a:bodyPr wrap="none" rtlCol="0">
+            <a:spAutoFit/>
+          </a:bodyPr>
+          <a:lstStyle/>
+          <a:p>
+            <a:r>
+              <a:rPr lang="en-US" sz="2800" b="1" dirty="0">
+                <a:solidFill>
+                  <a:srgbClr val="FFFFFF"/>
+                </a:solidFill>
+              </a:rPr>
+              <a:t>Looping</a:t>
             </a:r>
           </a:p>
         </p:txBody>
@@ -10328,7 +10501,7 @@
     </p:spTree>
     <p:extLst>
       <p:ext uri="{BB962C8B-B14F-4D97-AF65-F5344CB8AC3E}">
-        <p14:creationId xmlns:p14="http://schemas.microsoft.com/office/powerpoint/2010/main" val="377450774"/>
+        <p14:creationId xmlns:p14="http://schemas.microsoft.com/office/powerpoint/2010/main" val="1253679786"/>
       </p:ext>
     </p:extLst>
   </p:cSld>
@@ -10357,10 +10530,10 @@
       </p:grpSpPr>
       <p:sp>
         <p:nvSpPr>
-          <p:cNvPr id="4" name="Title 3">
-            <a:extLst>
-              <a:ext uri="{FF2B5EF4-FFF2-40B4-BE49-F238E27FC236}">
-                <a16:creationId xmlns:a16="http://schemas.microsoft.com/office/drawing/2014/main" id="{0C118C3C-13F5-4EA8-9EA9-3448AC35375E}"/>
+          <p:cNvPr id="2" name="Title 1">
+            <a:extLst>
+              <a:ext uri="{FF2B5EF4-FFF2-40B4-BE49-F238E27FC236}">
+                <a16:creationId xmlns:a16="http://schemas.microsoft.com/office/drawing/2014/main" id="{128C012E-E27C-4455-914A-F84B2E984449}"/>
               </a:ext>
             </a:extLst>
           </p:cNvPr>
@@ -10379,18 +10552,59 @@
           <a:lstStyle/>
           <a:p>
             <a:r>
+              <a:rPr lang="en-US" b="1" dirty="0">
+                <a:solidFill>
+                  <a:srgbClr val="00FF00"/>
+                </a:solidFill>
+                <a:latin typeface="Courier New" panose="02070309020205020404" pitchFamily="49" charset="0"/>
+                <a:cs typeface="Courier New" panose="02070309020205020404" pitchFamily="49" charset="0"/>
+              </a:rPr>
+              <a:t>while</a:t>
+            </a:r>
+            <a:r>
               <a:rPr lang="en-US" b="1" dirty="0"/>
-              <a:t>Lecture Recap</a:t>
-            </a:r>
-          </a:p>
-        </p:txBody>
-      </p:sp>
-      <p:sp>
-        <p:nvSpPr>
-          <p:cNvPr id="5" name="Content Placeholder 4">
-            <a:extLst>
-              <a:ext uri="{FF2B5EF4-FFF2-40B4-BE49-F238E27FC236}">
-                <a16:creationId xmlns:a16="http://schemas.microsoft.com/office/drawing/2014/main" id="{85F37492-86E3-47CA-8641-D7457D28B946}"/>
+              <a:t> </a:t>
+            </a:r>
+            <a:r>
+              <a:rPr lang="en-US" b="1" dirty="0">
+                <a:solidFill>
+                  <a:schemeClr val="accent2"/>
+                </a:solidFill>
+              </a:rPr>
+              <a:t>&amp;</a:t>
+            </a:r>
+            <a:r>
+              <a:rPr lang="en-US" b="1" dirty="0"/>
+              <a:t> </a:t>
+            </a:r>
+            <a:r>
+              <a:rPr lang="en-US" b="1" dirty="0">
+                <a:solidFill>
+                  <a:srgbClr val="00FF00"/>
+                </a:solidFill>
+                <a:latin typeface="Courier New" panose="02070309020205020404" pitchFamily="49" charset="0"/>
+                <a:cs typeface="Courier New" panose="02070309020205020404" pitchFamily="49" charset="0"/>
+              </a:rPr>
+              <a:t>for</a:t>
+            </a:r>
+            <a:r>
+              <a:rPr lang="en-US" b="1" dirty="0"/>
+              <a:t> Loops</a:t>
+            </a:r>
+            <a:endParaRPr lang="en-US" b="1" dirty="0">
+              <a:solidFill>
+                <a:schemeClr val="accent6"/>
+              </a:solidFill>
+            </a:endParaRPr>
+          </a:p>
+        </p:txBody>
+      </p:sp>
+      <p:sp>
+        <p:nvSpPr>
+          <p:cNvPr id="3" name="Content Placeholder 2">
+            <a:extLst>
+              <a:ext uri="{FF2B5EF4-FFF2-40B4-BE49-F238E27FC236}">
+                <a16:creationId xmlns:a16="http://schemas.microsoft.com/office/drawing/2014/main" id="{86B251CA-11BF-441F-8DAF-B316636B94DD}"/>
               </a:ext>
             </a:extLst>
           </p:cNvPr>
@@ -10403,8 +10617,8 @@
         </p:nvSpPr>
         <p:spPr>
           <a:xfrm>
-            <a:off x="838199" y="1825624"/>
-            <a:ext cx="11073063" cy="4835479"/>
+            <a:off x="838201" y="1825624"/>
+            <a:ext cx="4553810" cy="4900029"/>
           </a:xfrm>
         </p:spPr>
         <p:txBody>
@@ -10414,104 +10628,121 @@
           <a:lstStyle/>
           <a:p>
             <a:r>
-              <a:rPr lang="en-US" sz="3600" dirty="0">
-                <a:solidFill>
-                  <a:schemeClr val="accent6"/>
-                </a:solidFill>
-                <a:latin typeface="Consolas" panose="020B0609020204030204" pitchFamily="49" charset="0"/>
+              <a:rPr lang="en-US" b="1" dirty="0">
+                <a:solidFill>
+                  <a:srgbClr val="00FF00"/>
+                </a:solidFill>
+                <a:latin typeface="Courier New" panose="02070309020205020404" pitchFamily="49" charset="0"/>
+                <a:cs typeface="Courier New" panose="02070309020205020404" pitchFamily="49" charset="0"/>
               </a:rPr>
               <a:t>for</a:t>
             </a:r>
             <a:r>
-              <a:rPr lang="en-US" sz="3600" dirty="0"/>
-              <a:t> loops</a:t>
-            </a:r>
-            <a:r>
-              <a:rPr lang="en-US" sz="3600" dirty="0">
-                <a:solidFill>
-                  <a:schemeClr val="accent3"/>
-                </a:solidFill>
-              </a:rPr>
-              <a:t>.</a:t>
-            </a:r>
-          </a:p>
-          <a:p>
-            <a:r>
-              <a:rPr lang="en-US" sz="3600" dirty="0"/>
-              <a:t>Looping over strings</a:t>
-            </a:r>
-            <a:r>
-              <a:rPr lang="en-US" sz="3600" dirty="0">
-                <a:solidFill>
-                  <a:schemeClr val="accent3"/>
-                </a:solidFill>
-              </a:rPr>
-              <a:t>.</a:t>
-            </a:r>
-          </a:p>
-          <a:p>
-            <a:r>
-              <a:rPr lang="en-US" sz="3600" dirty="0"/>
-              <a:t>When to use a </a:t>
-            </a:r>
-            <a:r>
-              <a:rPr lang="en-US" sz="3600" dirty="0">
-                <a:solidFill>
-                  <a:schemeClr val="accent6"/>
-                </a:solidFill>
-                <a:latin typeface="Consolas" panose="020B0609020204030204" pitchFamily="49" charset="0"/>
-              </a:rPr>
-              <a:t>for</a:t>
-            </a:r>
-            <a:r>
-              <a:rPr lang="en-US" sz="3600" dirty="0"/>
-              <a:t> loop over a </a:t>
-            </a:r>
-            <a:r>
-              <a:rPr lang="en-US" sz="3600" dirty="0">
-                <a:solidFill>
-                  <a:schemeClr val="accent6"/>
-                </a:solidFill>
-                <a:latin typeface="Consolas" panose="020B0609020204030204" pitchFamily="49" charset="0"/>
+              <a:rPr lang="en-US" dirty="0"/>
+              <a:t> loop or </a:t>
+            </a:r>
+            <a:r>
+              <a:rPr lang="en-US" b="1" dirty="0">
+                <a:solidFill>
+                  <a:srgbClr val="00FF00"/>
+                </a:solidFill>
+                <a:latin typeface="Courier New" panose="02070309020205020404" pitchFamily="49" charset="0"/>
+                <a:cs typeface="Courier New" panose="02070309020205020404" pitchFamily="49" charset="0"/>
               </a:rPr>
               <a:t>while</a:t>
             </a:r>
             <a:r>
-              <a:rPr lang="en-US" sz="3600" dirty="0"/>
+              <a:rPr lang="en-US" dirty="0"/>
               <a:t> loop</a:t>
             </a:r>
             <a:r>
-              <a:rPr lang="en-US" sz="3600" dirty="0">
-                <a:solidFill>
-                  <a:schemeClr val="accent3"/>
-                </a:solidFill>
-              </a:rPr>
-              <a:t>.</a:t>
-            </a:r>
-          </a:p>
-        </p:txBody>
-      </p:sp>
-      <p:sp>
-        <p:nvSpPr>
-          <p:cNvPr id="6" name="TextBox 5">
-            <a:extLst>
-              <a:ext uri="{FF2B5EF4-FFF2-40B4-BE49-F238E27FC236}">
-                <a16:creationId xmlns:a16="http://schemas.microsoft.com/office/drawing/2014/main" id="{DA703043-B86C-43D7-83A2-C89F11DBF43E}"/>
-              </a:ext>
-            </a:extLst>
-          </p:cNvPr>
-          <p:cNvSpPr txBox="1"/>
+              <a:rPr lang="en-US" dirty="0">
+                <a:solidFill>
+                  <a:schemeClr val="accent2"/>
+                </a:solidFill>
+              </a:rPr>
+              <a:t>?</a:t>
+            </a:r>
+            <a:r>
+              <a:rPr lang="en-US" dirty="0"/>
+              <a:t> </a:t>
+            </a:r>
+            <a:endParaRPr lang="en-US" dirty="0">
+              <a:solidFill>
+                <a:schemeClr val="accent6"/>
+              </a:solidFill>
+            </a:endParaRPr>
+          </a:p>
+        </p:txBody>
+      </p:sp>
+      <p:pic>
+        <p:nvPicPr>
+          <p:cNvPr id="1026" name="Picture 2" descr="Cycle PNG Images, Free Clipart Cycles Download - Free Transparent PNG Logos">
+            <a:extLst>
+              <a:ext uri="{FF2B5EF4-FFF2-40B4-BE49-F238E27FC236}">
+                <a16:creationId xmlns:a16="http://schemas.microsoft.com/office/drawing/2014/main" id="{02C69A0C-701A-41B7-B899-4F809C7C6416}"/>
+              </a:ext>
+            </a:extLst>
+          </p:cNvPr>
+          <p:cNvPicPr>
+            <a:picLocks noChangeAspect="1" noChangeArrowheads="1"/>
+          </p:cNvPicPr>
           <p:nvPr/>
-        </p:nvSpPr>
-        <p:spPr>
-          <a:xfrm>
-            <a:off x="9354071" y="1029719"/>
-            <a:ext cx="2265364" cy="707886"/>
+        </p:nvPicPr>
+        <p:blipFill>
+          <a:blip r:embed="rId2">
+            <a:extLst>
+              <a:ext uri="{28A0092B-C50C-407E-A947-70E740481C1C}">
+                <a14:useLocalDpi xmlns:a14="http://schemas.microsoft.com/office/drawing/2010/main" val="0"/>
+              </a:ext>
+            </a:extLst>
+          </a:blip>
+          <a:srcRect/>
+          <a:stretch>
+            <a:fillRect/>
+          </a:stretch>
+        </p:blipFill>
+        <p:spPr bwMode="auto">
+          <a:xfrm flipH="1" flipV="1">
+            <a:off x="4798056" y="3296139"/>
+            <a:ext cx="1616421" cy="1616421"/>
           </a:xfrm>
           <a:prstGeom prst="rect">
             <a:avLst/>
           </a:prstGeom>
           <a:noFill/>
+          <a:extLst>
+            <a:ext uri="{909E8E84-426E-40DD-AFC4-6F175D3DCCD1}">
+              <a14:hiddenFill xmlns:a14="http://schemas.microsoft.com/office/drawing/2010/main">
+                <a:solidFill>
+                  <a:srgbClr val="FFFFFF"/>
+                </a:solidFill>
+              </a14:hiddenFill>
+            </a:ext>
+          </a:extLst>
+        </p:spPr>
+      </p:pic>
+      <p:sp>
+        <p:nvSpPr>
+          <p:cNvPr id="10" name="TextBox 9">
+            <a:extLst>
+              <a:ext uri="{FF2B5EF4-FFF2-40B4-BE49-F238E27FC236}">
+                <a16:creationId xmlns:a16="http://schemas.microsoft.com/office/drawing/2014/main" id="{6FDE1E47-C1E8-4BBC-BF41-6DF5197226B2}"/>
+              </a:ext>
+            </a:extLst>
+          </p:cNvPr>
+          <p:cNvSpPr txBox="1"/>
+          <p:nvPr/>
+        </p:nvSpPr>
+        <p:spPr>
+          <a:xfrm>
+            <a:off x="5172087" y="4982353"/>
+            <a:ext cx="1574470" cy="523220"/>
+          </a:xfrm>
+          <a:prstGeom prst="rect">
+            <a:avLst/>
+          </a:prstGeom>
+          <a:noFill/>
         </p:spPr>
         <p:txBody>
           <a:bodyPr wrap="none" rtlCol="0">
@@ -10520,20 +10751,272 @@
           <a:lstStyle/>
           <a:p>
             <a:r>
-              <a:rPr lang="en-US" sz="4000" b="1" dirty="0">
+              <a:rPr lang="en-US" sz="2800" b="1" dirty="0">
+                <a:solidFill>
+                  <a:srgbClr val="FFFFFF"/>
+                </a:solidFill>
+              </a:rPr>
+              <a:t>Looping</a:t>
+            </a:r>
+          </a:p>
+        </p:txBody>
+      </p:sp>
+      <p:pic>
+        <p:nvPicPr>
+          <p:cNvPr id="2050" name="Picture 2" descr="You Can Play &amp;#39;Where&amp;#39;s Waldo?&amp;#39; on Google Maps Right Now - Concrete Playground">
+            <a:extLst>
+              <a:ext uri="{FF2B5EF4-FFF2-40B4-BE49-F238E27FC236}">
+                <a16:creationId xmlns:a16="http://schemas.microsoft.com/office/drawing/2014/main" id="{8D377CFF-56ED-4468-9C90-201428D915C1}"/>
+              </a:ext>
+            </a:extLst>
+          </p:cNvPr>
+          <p:cNvPicPr>
+            <a:picLocks noChangeAspect="1" noChangeArrowheads="1"/>
+          </p:cNvPicPr>
+          <p:nvPr/>
+        </p:nvPicPr>
+        <p:blipFill rotWithShape="1">
+          <a:blip r:embed="rId3">
+            <a:extLst>
+              <a:ext uri="{28A0092B-C50C-407E-A947-70E740481C1C}">
+                <a14:useLocalDpi xmlns:a14="http://schemas.microsoft.com/office/drawing/2010/main" val="0"/>
+              </a:ext>
+            </a:extLst>
+          </a:blip>
+          <a:srcRect r="5966"/>
+          <a:stretch/>
+        </p:blipFill>
+        <p:spPr bwMode="auto">
+          <a:xfrm>
+            <a:off x="6972611" y="2571075"/>
+            <a:ext cx="5219389" cy="4162863"/>
+          </a:xfrm>
+          <a:prstGeom prst="rect">
+            <a:avLst/>
+          </a:prstGeom>
+          <a:noFill/>
+          <a:extLst>
+            <a:ext uri="{909E8E84-426E-40DD-AFC4-6F175D3DCCD1}">
+              <a14:hiddenFill xmlns:a14="http://schemas.microsoft.com/office/drawing/2010/main">
+                <a:solidFill>
+                  <a:srgbClr val="FFFFFF"/>
+                </a:solidFill>
+              </a14:hiddenFill>
+            </a:ext>
+          </a:extLst>
+        </p:spPr>
+      </p:pic>
+      <p:sp>
+        <p:nvSpPr>
+          <p:cNvPr id="8" name="Rectangle 7">
+            <a:extLst>
+              <a:ext uri="{FF2B5EF4-FFF2-40B4-BE49-F238E27FC236}">
+                <a16:creationId xmlns:a16="http://schemas.microsoft.com/office/drawing/2014/main" id="{A622B7E0-B526-41BC-8024-DD9FE4A9D64C}"/>
+              </a:ext>
+            </a:extLst>
+          </p:cNvPr>
+          <p:cNvSpPr/>
+          <p:nvPr/>
+        </p:nvSpPr>
+        <p:spPr>
+          <a:xfrm>
+            <a:off x="6972611" y="2571075"/>
+            <a:ext cx="500184" cy="500184"/>
+          </a:xfrm>
+          <a:prstGeom prst="rect">
+            <a:avLst/>
+          </a:prstGeom>
+          <a:noFill/>
+          <a:ln w="57150">
+            <a:solidFill>
+              <a:srgbClr val="FF0000"/>
+            </a:solidFill>
+          </a:ln>
+        </p:spPr>
+        <p:style>
+          <a:lnRef idx="2">
+            <a:schemeClr val="accent1">
+              <a:shade val="50000"/>
+            </a:schemeClr>
+          </a:lnRef>
+          <a:fillRef idx="1">
+            <a:schemeClr val="accent1"/>
+          </a:fillRef>
+          <a:effectRef idx="0">
+            <a:schemeClr val="accent1"/>
+          </a:effectRef>
+          <a:fontRef idx="minor">
+            <a:schemeClr val="lt1"/>
+          </a:fontRef>
+        </p:style>
+        <p:txBody>
+          <a:bodyPr rtlCol="0" anchor="ctr"/>
+          <a:lstStyle/>
+          <a:p>
+            <a:pPr algn="ctr"/>
+            <a:endParaRPr lang="en-US"/>
+          </a:p>
+        </p:txBody>
+      </p:sp>
+      <p:sp>
+        <p:nvSpPr>
+          <p:cNvPr id="12" name="Oval 11">
+            <a:extLst>
+              <a:ext uri="{FF2B5EF4-FFF2-40B4-BE49-F238E27FC236}">
+                <a16:creationId xmlns:a16="http://schemas.microsoft.com/office/drawing/2014/main" id="{186EFF4A-61AE-498F-912B-59CDD2A8FA45}"/>
+              </a:ext>
+            </a:extLst>
+          </p:cNvPr>
+          <p:cNvSpPr/>
+          <p:nvPr/>
+        </p:nvSpPr>
+        <p:spPr>
+          <a:xfrm>
+            <a:off x="2437214" y="4318649"/>
+            <a:ext cx="2092104" cy="2092104"/>
+          </a:xfrm>
+          <a:prstGeom prst="ellipse">
+            <a:avLst/>
+          </a:prstGeom>
+          <a:noFill/>
+          <a:ln w="76200">
+            <a:solidFill>
+              <a:schemeClr val="accent2"/>
+            </a:solidFill>
+          </a:ln>
+        </p:spPr>
+        <p:style>
+          <a:lnRef idx="2">
+            <a:schemeClr val="accent1">
+              <a:shade val="50000"/>
+            </a:schemeClr>
+          </a:lnRef>
+          <a:fillRef idx="1">
+            <a:schemeClr val="accent1"/>
+          </a:fillRef>
+          <a:effectRef idx="0">
+            <a:schemeClr val="accent1"/>
+          </a:effectRef>
+          <a:fontRef idx="minor">
+            <a:schemeClr val="lt1"/>
+          </a:fontRef>
+        </p:style>
+        <p:txBody>
+          <a:bodyPr rtlCol="0" anchor="ctr"/>
+          <a:lstStyle/>
+          <a:p>
+            <a:pPr algn="ctr"/>
+            <a:r>
+              <a:rPr lang="en-US" sz="2800" b="1" dirty="0">
+                <a:solidFill>
+                  <a:srgbClr val="FFFFFF"/>
+                </a:solidFill>
+              </a:rPr>
+              <a:t>Check for Waldo</a:t>
+            </a:r>
+          </a:p>
+        </p:txBody>
+      </p:sp>
+      <p:sp>
+        <p:nvSpPr>
+          <p:cNvPr id="13" name="Arrow: Right 12">
+            <a:extLst>
+              <a:ext uri="{FF2B5EF4-FFF2-40B4-BE49-F238E27FC236}">
+                <a16:creationId xmlns:a16="http://schemas.microsoft.com/office/drawing/2014/main" id="{7C4C1ACB-F9BD-486E-BED2-7310B8F6952E}"/>
+              </a:ext>
+            </a:extLst>
+          </p:cNvPr>
+          <p:cNvSpPr/>
+          <p:nvPr/>
+        </p:nvSpPr>
+        <p:spPr>
+          <a:xfrm flipH="1">
+            <a:off x="1516346" y="5115214"/>
+            <a:ext cx="706612" cy="631231"/>
+          </a:xfrm>
+          <a:prstGeom prst="rightArrow">
+            <a:avLst/>
+          </a:prstGeom>
+          <a:ln>
+            <a:noFill/>
+          </a:ln>
+        </p:spPr>
+        <p:style>
+          <a:lnRef idx="2">
+            <a:schemeClr val="accent1">
+              <a:shade val="50000"/>
+            </a:schemeClr>
+          </a:lnRef>
+          <a:fillRef idx="1">
+            <a:schemeClr val="accent1"/>
+          </a:fillRef>
+          <a:effectRef idx="0">
+            <a:schemeClr val="accent1"/>
+          </a:effectRef>
+          <a:fontRef idx="minor">
+            <a:schemeClr val="lt1"/>
+          </a:fontRef>
+        </p:style>
+        <p:txBody>
+          <a:bodyPr rtlCol="0" anchor="ctr"/>
+          <a:lstStyle/>
+          <a:p>
+            <a:pPr algn="ctr"/>
+            <a:endParaRPr lang="en-US"/>
+          </a:p>
+        </p:txBody>
+      </p:sp>
+      <p:sp>
+        <p:nvSpPr>
+          <p:cNvPr id="14" name="TextBox 13">
+            <a:extLst>
+              <a:ext uri="{FF2B5EF4-FFF2-40B4-BE49-F238E27FC236}">
+                <a16:creationId xmlns:a16="http://schemas.microsoft.com/office/drawing/2014/main" id="{39D5FE98-2EBF-42F1-A953-6551D95D7EFA}"/>
+              </a:ext>
+            </a:extLst>
+          </p:cNvPr>
+          <p:cNvSpPr txBox="1"/>
+          <p:nvPr/>
+        </p:nvSpPr>
+        <p:spPr>
+          <a:xfrm>
+            <a:off x="130238" y="5169219"/>
+            <a:ext cx="1385123" cy="523220"/>
+          </a:xfrm>
+          <a:prstGeom prst="rect">
+            <a:avLst/>
+          </a:prstGeom>
+          <a:noFill/>
+        </p:spPr>
+        <p:txBody>
+          <a:bodyPr wrap="none" rtlCol="0">
+            <a:spAutoFit/>
+          </a:bodyPr>
+          <a:lstStyle/>
+          <a:p>
+            <a:r>
+              <a:rPr lang="en-US" sz="2800" b="1" dirty="0">
+                <a:solidFill>
+                  <a:srgbClr val="FFFFFF"/>
+                </a:solidFill>
+              </a:rPr>
+              <a:t>Yes</a:t>
+            </a:r>
+            <a:r>
+              <a:rPr lang="en-US" sz="2800" b="1" dirty="0">
                 <a:solidFill>
                   <a:schemeClr val="accent6"/>
                 </a:solidFill>
               </a:rPr>
-              <a:t>Practice</a:t>
-            </a:r>
-            <a:r>
-              <a:rPr lang="en-US" sz="4000" b="1" dirty="0">
-                <a:solidFill>
-                  <a:schemeClr val="accent1"/>
-                </a:solidFill>
-              </a:rPr>
-              <a:t>!</a:t>
+              <a:t>/</a:t>
+            </a:r>
+            <a:r>
+              <a:rPr lang="en-US" sz="2800" b="1" dirty="0">
+                <a:solidFill>
+                  <a:srgbClr val="FFFFFF"/>
+                </a:solidFill>
+              </a:rPr>
+              <a:t>No</a:t>
             </a:r>
           </a:p>
         </p:txBody>
@@ -10541,7 +11024,7 @@
     </p:spTree>
     <p:extLst>
       <p:ext uri="{BB962C8B-B14F-4D97-AF65-F5344CB8AC3E}">
-        <p14:creationId xmlns:p14="http://schemas.microsoft.com/office/powerpoint/2010/main" val="577522275"/>
+        <p14:creationId xmlns:p14="http://schemas.microsoft.com/office/powerpoint/2010/main" val="1988805112"/>
       </p:ext>
     </p:extLst>
   </p:cSld>
@@ -10976,6 +11459,1024 @@
 </file>
 
 <file path=ppt/slides/slide30.xml><?xml version="1.0" encoding="utf-8"?>
+<p:sld xmlns:a="http://schemas.openxmlformats.org/drawingml/2006/main" xmlns:r="http://schemas.openxmlformats.org/officeDocument/2006/relationships" xmlns:p="http://schemas.openxmlformats.org/presentationml/2006/main">
+  <p:cSld>
+    <p:spTree>
+      <p:nvGrpSpPr>
+        <p:cNvPr id="1" name=""/>
+        <p:cNvGrpSpPr/>
+        <p:nvPr/>
+      </p:nvGrpSpPr>
+      <p:grpSpPr>
+        <a:xfrm>
+          <a:off x="0" y="0"/>
+          <a:ext cx="0" cy="0"/>
+          <a:chOff x="0" y="0"/>
+          <a:chExt cx="0" cy="0"/>
+        </a:xfrm>
+      </p:grpSpPr>
+      <p:sp>
+        <p:nvSpPr>
+          <p:cNvPr id="2" name="Title 1">
+            <a:extLst>
+              <a:ext uri="{FF2B5EF4-FFF2-40B4-BE49-F238E27FC236}">
+                <a16:creationId xmlns:a16="http://schemas.microsoft.com/office/drawing/2014/main" id="{128C012E-E27C-4455-914A-F84B2E984449}"/>
+              </a:ext>
+            </a:extLst>
+          </p:cNvPr>
+          <p:cNvSpPr>
+            <a:spLocks noGrp="1"/>
+          </p:cNvSpPr>
+          <p:nvPr>
+            <p:ph type="title"/>
+          </p:nvPr>
+        </p:nvSpPr>
+        <p:spPr>
+          <a:xfrm>
+            <a:off x="838200" y="727514"/>
+            <a:ext cx="10515600" cy="656148"/>
+          </a:xfrm>
+        </p:spPr>
+        <p:txBody>
+          <a:bodyPr>
+            <a:normAutofit fontScale="90000"/>
+          </a:bodyPr>
+          <a:lstStyle/>
+          <a:p>
+            <a:r>
+              <a:rPr lang="en-US" b="1" dirty="0">
+                <a:solidFill>
+                  <a:schemeClr val="accent6"/>
+                </a:solidFill>
+              </a:rPr>
+              <a:t>Breakout Session </a:t>
+            </a:r>
+            <a:r>
+              <a:rPr lang="en-US" b="1" dirty="0"/>
+              <a:t>1</a:t>
+            </a:r>
+          </a:p>
+        </p:txBody>
+      </p:sp>
+      <p:sp>
+        <p:nvSpPr>
+          <p:cNvPr id="3" name="Content Placeholder 2">
+            <a:extLst>
+              <a:ext uri="{FF2B5EF4-FFF2-40B4-BE49-F238E27FC236}">
+                <a16:creationId xmlns:a16="http://schemas.microsoft.com/office/drawing/2014/main" id="{86B251CA-11BF-441F-8DAF-B316636B94DD}"/>
+              </a:ext>
+            </a:extLst>
+          </p:cNvPr>
+          <p:cNvSpPr>
+            <a:spLocks noGrp="1"/>
+          </p:cNvSpPr>
+          <p:nvPr>
+            <p:ph idx="1"/>
+          </p:nvPr>
+        </p:nvSpPr>
+        <p:spPr>
+          <a:xfrm>
+            <a:off x="838200" y="1825624"/>
+            <a:ext cx="6825915" cy="4900029"/>
+          </a:xfrm>
+        </p:spPr>
+        <p:txBody>
+          <a:bodyPr>
+            <a:normAutofit/>
+          </a:bodyPr>
+          <a:lstStyle/>
+          <a:p>
+            <a:r>
+              <a:rPr lang="en-US" sz="3200" dirty="0"/>
+              <a:t>Write a function that takes in a string and returns the number of vowels in the string</a:t>
+            </a:r>
+            <a:r>
+              <a:rPr lang="en-US" sz="3200" dirty="0">
+                <a:solidFill>
+                  <a:schemeClr val="accent1"/>
+                </a:solidFill>
+              </a:rPr>
+              <a:t>. (</a:t>
+            </a:r>
+            <a:r>
+              <a:rPr lang="en-US" sz="3200" dirty="0"/>
+              <a:t>use</a:t>
+            </a:r>
+            <a:r>
+              <a:rPr lang="en-US" sz="3200" dirty="0">
+                <a:solidFill>
+                  <a:schemeClr val="accent1"/>
+                </a:solidFill>
+              </a:rPr>
+              <a:t> </a:t>
+            </a:r>
+            <a:r>
+              <a:rPr lang="en-US" sz="3200" b="1" dirty="0">
+                <a:solidFill>
+                  <a:schemeClr val="accent6"/>
+                </a:solidFill>
+                <a:latin typeface="Courier New" panose="02070309020205020404" pitchFamily="49" charset="0"/>
+                <a:cs typeface="Courier New" panose="02070309020205020404" pitchFamily="49" charset="0"/>
+              </a:rPr>
+              <a:t>for</a:t>
+            </a:r>
+            <a:r>
+              <a:rPr lang="en-US" sz="3200" dirty="0">
+                <a:solidFill>
+                  <a:schemeClr val="accent1"/>
+                </a:solidFill>
+              </a:rPr>
+              <a:t> </a:t>
+            </a:r>
+            <a:r>
+              <a:rPr lang="en-US" sz="3200" dirty="0"/>
+              <a:t>loop</a:t>
+            </a:r>
+            <a:r>
+              <a:rPr lang="en-US" sz="3200" dirty="0">
+                <a:solidFill>
+                  <a:schemeClr val="accent1"/>
+                </a:solidFill>
+              </a:rPr>
+              <a:t>)</a:t>
+            </a:r>
+          </a:p>
+          <a:p>
+            <a:r>
+              <a:rPr lang="en-US" sz="3200" dirty="0">
+                <a:solidFill>
+                  <a:schemeClr val="accent6"/>
+                </a:solidFill>
+              </a:rPr>
+              <a:t>Test 1</a:t>
+            </a:r>
+          </a:p>
+          <a:p>
+            <a:pPr lvl="1"/>
+            <a:r>
+              <a:rPr lang="en-US" sz="2800" dirty="0">
+                <a:solidFill>
+                  <a:srgbClr val="00FF00"/>
+                </a:solidFill>
+                <a:latin typeface="Consolas" panose="020B0609020204030204" pitchFamily="49" charset="0"/>
+              </a:rPr>
+              <a:t>count_vowels('Happy Anniversary!')</a:t>
+            </a:r>
+          </a:p>
+          <a:p>
+            <a:pPr lvl="1"/>
+            <a:r>
+              <a:rPr lang="en-US" sz="2800" dirty="0">
+                <a:solidFill>
+                  <a:srgbClr val="00FF00"/>
+                </a:solidFill>
+                <a:latin typeface="Consolas" panose="020B0609020204030204" pitchFamily="49" charset="0"/>
+              </a:rPr>
+              <a:t>5</a:t>
+            </a:r>
+          </a:p>
+          <a:p>
+            <a:r>
+              <a:rPr lang="en-US" sz="3200" dirty="0">
+                <a:solidFill>
+                  <a:schemeClr val="accent6"/>
+                </a:solidFill>
+              </a:rPr>
+              <a:t>Test 2</a:t>
+            </a:r>
+          </a:p>
+          <a:p>
+            <a:pPr lvl="1"/>
+            <a:r>
+              <a:rPr lang="en-US" sz="2800" dirty="0">
+                <a:solidFill>
+                  <a:srgbClr val="00FF00"/>
+                </a:solidFill>
+                <a:latin typeface="Consolas" panose="020B0609020204030204" pitchFamily="49" charset="0"/>
+              </a:rPr>
+              <a:t>count_vowels('xyz')</a:t>
+            </a:r>
+          </a:p>
+          <a:p>
+            <a:pPr lvl="1"/>
+            <a:r>
+              <a:rPr lang="en-US" sz="2800" dirty="0">
+                <a:solidFill>
+                  <a:srgbClr val="00FF00"/>
+                </a:solidFill>
+                <a:latin typeface="Consolas" panose="020B0609020204030204" pitchFamily="49" charset="0"/>
+              </a:rPr>
+              <a:t>0</a:t>
+            </a:r>
+          </a:p>
+        </p:txBody>
+      </p:sp>
+      <p:sp>
+        <p:nvSpPr>
+          <p:cNvPr id="11" name="Rectangle: Rounded Corners 10">
+            <a:extLst>
+              <a:ext uri="{FF2B5EF4-FFF2-40B4-BE49-F238E27FC236}">
+                <a16:creationId xmlns:a16="http://schemas.microsoft.com/office/drawing/2014/main" id="{2AD12892-252D-47E8-9C1B-32729A13BC0B}"/>
+              </a:ext>
+            </a:extLst>
+          </p:cNvPr>
+          <p:cNvSpPr/>
+          <p:nvPr/>
+        </p:nvSpPr>
+        <p:spPr>
+          <a:xfrm>
+            <a:off x="7844590" y="1949006"/>
+            <a:ext cx="3958389" cy="4418765"/>
+          </a:xfrm>
+          <a:prstGeom prst="roundRect">
+            <a:avLst/>
+          </a:prstGeom>
+          <a:noFill/>
+          <a:ln w="76200">
+            <a:solidFill>
+              <a:schemeClr val="accent2"/>
+            </a:solidFill>
+          </a:ln>
+        </p:spPr>
+        <p:style>
+          <a:lnRef idx="2">
+            <a:schemeClr val="accent1">
+              <a:shade val="50000"/>
+            </a:schemeClr>
+          </a:lnRef>
+          <a:fillRef idx="1">
+            <a:schemeClr val="accent1"/>
+          </a:fillRef>
+          <a:effectRef idx="0">
+            <a:schemeClr val="accent1"/>
+          </a:effectRef>
+          <a:fontRef idx="minor">
+            <a:schemeClr val="lt1"/>
+          </a:fontRef>
+        </p:style>
+        <p:txBody>
+          <a:bodyPr rtlCol="0" anchor="ctr"/>
+          <a:lstStyle/>
+          <a:p>
+            <a:r>
+              <a:rPr lang="en-US" sz="4400" b="1" dirty="0">
+                <a:solidFill>
+                  <a:srgbClr val="FFFFFF"/>
+                </a:solidFill>
+              </a:rPr>
+              <a:t>Open your notebook</a:t>
+            </a:r>
+          </a:p>
+          <a:p>
+            <a:endParaRPr lang="en-US" sz="4400" b="1" dirty="0">
+              <a:solidFill>
+                <a:srgbClr val="FFFFFF"/>
+              </a:solidFill>
+            </a:endParaRPr>
+          </a:p>
+          <a:p>
+            <a:r>
+              <a:rPr lang="en-US" sz="2800" b="1" dirty="0">
+                <a:solidFill>
+                  <a:srgbClr val="FFFFFF"/>
+                </a:solidFill>
+              </a:rPr>
+              <a:t>Click Link</a:t>
+            </a:r>
+            <a:r>
+              <a:rPr lang="en-US" sz="2800" b="1" dirty="0">
+                <a:solidFill>
+                  <a:schemeClr val="accent6"/>
+                </a:solidFill>
+              </a:rPr>
+              <a:t>:</a:t>
+            </a:r>
+          </a:p>
+          <a:p>
+            <a:r>
+              <a:rPr lang="en-US" sz="2800" b="1" dirty="0">
+                <a:solidFill>
+                  <a:schemeClr val="accent6"/>
+                </a:solidFill>
+              </a:rPr>
+              <a:t>3. </a:t>
+            </a:r>
+            <a:r>
+              <a:rPr lang="en-US" sz="2600" b="1" dirty="0">
+                <a:solidFill>
+                  <a:schemeClr val="accent6"/>
+                </a:solidFill>
+              </a:rPr>
+              <a:t>Breakout Session 1</a:t>
+            </a:r>
+          </a:p>
+        </p:txBody>
+      </p:sp>
+      <p:sp>
+        <p:nvSpPr>
+          <p:cNvPr id="4" name="TextBox 3">
+            <a:extLst>
+              <a:ext uri="{FF2B5EF4-FFF2-40B4-BE49-F238E27FC236}">
+                <a16:creationId xmlns:a16="http://schemas.microsoft.com/office/drawing/2014/main" id="{6676C54F-E834-416E-98EA-ADECA9251F71}"/>
+              </a:ext>
+            </a:extLst>
+          </p:cNvPr>
+          <p:cNvSpPr txBox="1"/>
+          <p:nvPr/>
+        </p:nvSpPr>
+        <p:spPr>
+          <a:xfrm>
+            <a:off x="8276795" y="973836"/>
+            <a:ext cx="2918748" cy="461665"/>
+          </a:xfrm>
+          <a:prstGeom prst="rect">
+            <a:avLst/>
+          </a:prstGeom>
+          <a:noFill/>
+        </p:spPr>
+        <p:txBody>
+          <a:bodyPr wrap="none" rtlCol="0">
+            <a:spAutoFit/>
+          </a:bodyPr>
+          <a:lstStyle/>
+          <a:p>
+            <a:r>
+              <a:rPr lang="en-US" sz="2400" b="1" dirty="0">
+                <a:solidFill>
+                  <a:srgbClr val="FFFFFF"/>
+                </a:solidFill>
+              </a:rPr>
+              <a:t>Vowels</a:t>
+            </a:r>
+            <a:r>
+              <a:rPr lang="en-US" sz="2400" b="1" dirty="0">
+                <a:solidFill>
+                  <a:schemeClr val="accent3"/>
+                </a:solidFill>
+              </a:rPr>
+              <a:t>:</a:t>
+            </a:r>
+            <a:r>
+              <a:rPr lang="en-US" sz="2400" b="1" dirty="0">
+                <a:solidFill>
+                  <a:srgbClr val="FFFFFF"/>
+                </a:solidFill>
+              </a:rPr>
+              <a:t> a</a:t>
+            </a:r>
+            <a:r>
+              <a:rPr lang="en-US" sz="2400" b="1" dirty="0">
+                <a:solidFill>
+                  <a:schemeClr val="accent3"/>
+                </a:solidFill>
+              </a:rPr>
+              <a:t>,</a:t>
+            </a:r>
+            <a:r>
+              <a:rPr lang="en-US" sz="2400" b="1" dirty="0">
+                <a:solidFill>
+                  <a:srgbClr val="FFFFFF"/>
+                </a:solidFill>
+              </a:rPr>
+              <a:t> e</a:t>
+            </a:r>
+            <a:r>
+              <a:rPr lang="en-US" sz="2400" b="1" dirty="0">
+                <a:solidFill>
+                  <a:schemeClr val="accent3"/>
+                </a:solidFill>
+              </a:rPr>
+              <a:t>,</a:t>
+            </a:r>
+            <a:r>
+              <a:rPr lang="en-US" sz="2400" b="1" dirty="0">
+                <a:solidFill>
+                  <a:srgbClr val="FFFFFF"/>
+                </a:solidFill>
+              </a:rPr>
+              <a:t> i</a:t>
+            </a:r>
+            <a:r>
+              <a:rPr lang="en-US" sz="2400" b="1" dirty="0">
+                <a:solidFill>
+                  <a:schemeClr val="accent3"/>
+                </a:solidFill>
+              </a:rPr>
+              <a:t>,</a:t>
+            </a:r>
+            <a:r>
+              <a:rPr lang="en-US" sz="2400" b="1" dirty="0">
+                <a:solidFill>
+                  <a:srgbClr val="FFFFFF"/>
+                </a:solidFill>
+              </a:rPr>
+              <a:t> o</a:t>
+            </a:r>
+            <a:r>
+              <a:rPr lang="en-US" sz="2400" b="1" dirty="0">
+                <a:solidFill>
+                  <a:schemeClr val="accent3"/>
+                </a:solidFill>
+              </a:rPr>
+              <a:t>,</a:t>
+            </a:r>
+            <a:r>
+              <a:rPr lang="en-US" sz="2400" b="1" dirty="0">
+                <a:solidFill>
+                  <a:srgbClr val="FFFFFF"/>
+                </a:solidFill>
+              </a:rPr>
+              <a:t> u</a:t>
+            </a:r>
+            <a:r>
+              <a:rPr lang="en-US" sz="2400" b="1" dirty="0">
+                <a:solidFill>
+                  <a:schemeClr val="accent3"/>
+                </a:solidFill>
+              </a:rPr>
+              <a:t>.</a:t>
+            </a:r>
+          </a:p>
+        </p:txBody>
+      </p:sp>
+    </p:spTree>
+    <p:extLst>
+      <p:ext uri="{BB962C8B-B14F-4D97-AF65-F5344CB8AC3E}">
+        <p14:creationId xmlns:p14="http://schemas.microsoft.com/office/powerpoint/2010/main" val="1488241433"/>
+      </p:ext>
+    </p:extLst>
+  </p:cSld>
+  <p:clrMapOvr>
+    <a:masterClrMapping/>
+  </p:clrMapOvr>
+</p:sld>
+</file>
+
+<file path=ppt/slides/slide31.xml><?xml version="1.0" encoding="utf-8"?>
+<p:sld xmlns:a="http://schemas.openxmlformats.org/drawingml/2006/main" xmlns:r="http://schemas.openxmlformats.org/officeDocument/2006/relationships" xmlns:p="http://schemas.openxmlformats.org/presentationml/2006/main">
+  <p:cSld>
+    <p:spTree>
+      <p:nvGrpSpPr>
+        <p:cNvPr id="1" name=""/>
+        <p:cNvGrpSpPr/>
+        <p:nvPr/>
+      </p:nvGrpSpPr>
+      <p:grpSpPr>
+        <a:xfrm>
+          <a:off x="0" y="0"/>
+          <a:ext cx="0" cy="0"/>
+          <a:chOff x="0" y="0"/>
+          <a:chExt cx="0" cy="0"/>
+        </a:xfrm>
+      </p:grpSpPr>
+      <p:sp>
+        <p:nvSpPr>
+          <p:cNvPr id="2" name="Title 1">
+            <a:extLst>
+              <a:ext uri="{FF2B5EF4-FFF2-40B4-BE49-F238E27FC236}">
+                <a16:creationId xmlns:a16="http://schemas.microsoft.com/office/drawing/2014/main" id="{128C012E-E27C-4455-914A-F84B2E984449}"/>
+              </a:ext>
+            </a:extLst>
+          </p:cNvPr>
+          <p:cNvSpPr>
+            <a:spLocks noGrp="1"/>
+          </p:cNvSpPr>
+          <p:nvPr>
+            <p:ph type="title"/>
+          </p:nvPr>
+        </p:nvSpPr>
+        <p:spPr>
+          <a:xfrm>
+            <a:off x="838200" y="727514"/>
+            <a:ext cx="10515600" cy="656148"/>
+          </a:xfrm>
+        </p:spPr>
+        <p:txBody>
+          <a:bodyPr>
+            <a:normAutofit fontScale="90000"/>
+          </a:bodyPr>
+          <a:lstStyle/>
+          <a:p>
+            <a:r>
+              <a:rPr lang="en-US" b="1" dirty="0">
+                <a:solidFill>
+                  <a:schemeClr val="accent6"/>
+                </a:solidFill>
+              </a:rPr>
+              <a:t>Breakout Session </a:t>
+            </a:r>
+            <a:r>
+              <a:rPr lang="en-US" b="1" dirty="0"/>
+              <a:t>2</a:t>
+            </a:r>
+          </a:p>
+        </p:txBody>
+      </p:sp>
+      <p:sp>
+        <p:nvSpPr>
+          <p:cNvPr id="3" name="Content Placeholder 2">
+            <a:extLst>
+              <a:ext uri="{FF2B5EF4-FFF2-40B4-BE49-F238E27FC236}">
+                <a16:creationId xmlns:a16="http://schemas.microsoft.com/office/drawing/2014/main" id="{86B251CA-11BF-441F-8DAF-B316636B94DD}"/>
+              </a:ext>
+            </a:extLst>
+          </p:cNvPr>
+          <p:cNvSpPr>
+            <a:spLocks noGrp="1"/>
+          </p:cNvSpPr>
+          <p:nvPr>
+            <p:ph idx="1"/>
+          </p:nvPr>
+        </p:nvSpPr>
+        <p:spPr>
+          <a:xfrm>
+            <a:off x="838200" y="1825624"/>
+            <a:ext cx="6825915" cy="4900029"/>
+          </a:xfrm>
+        </p:spPr>
+        <p:txBody>
+          <a:bodyPr>
+            <a:normAutofit lnSpcReduction="10000"/>
+          </a:bodyPr>
+          <a:lstStyle/>
+          <a:p>
+            <a:r>
+              <a:rPr lang="en-US" sz="3200" dirty="0"/>
+              <a:t>Write a function to return the unique separators in a string of integer codes</a:t>
+            </a:r>
+            <a:r>
+              <a:rPr lang="en-US" sz="3200" dirty="0">
+                <a:solidFill>
+                  <a:schemeClr val="accent1"/>
+                </a:solidFill>
+              </a:rPr>
+              <a:t>. (</a:t>
+            </a:r>
+            <a:r>
+              <a:rPr lang="en-US" sz="3200" dirty="0"/>
+              <a:t>use</a:t>
+            </a:r>
+            <a:r>
+              <a:rPr lang="en-US" sz="3200" dirty="0">
+                <a:solidFill>
+                  <a:schemeClr val="accent1"/>
+                </a:solidFill>
+              </a:rPr>
+              <a:t> </a:t>
+            </a:r>
+            <a:r>
+              <a:rPr lang="en-US" sz="3200" b="1" dirty="0">
+                <a:solidFill>
+                  <a:schemeClr val="accent6"/>
+                </a:solidFill>
+                <a:latin typeface="Courier New" panose="02070309020205020404" pitchFamily="49" charset="0"/>
+                <a:cs typeface="Courier New" panose="02070309020205020404" pitchFamily="49" charset="0"/>
+              </a:rPr>
+              <a:t>for</a:t>
+            </a:r>
+            <a:r>
+              <a:rPr lang="en-US" sz="3200" dirty="0">
+                <a:solidFill>
+                  <a:schemeClr val="accent1"/>
+                </a:solidFill>
+              </a:rPr>
+              <a:t> </a:t>
+            </a:r>
+            <a:r>
+              <a:rPr lang="en-US" sz="3200" dirty="0"/>
+              <a:t>loop</a:t>
+            </a:r>
+            <a:r>
+              <a:rPr lang="en-US" sz="3200" dirty="0">
+                <a:solidFill>
+                  <a:schemeClr val="accent1"/>
+                </a:solidFill>
+              </a:rPr>
+              <a:t>)</a:t>
+            </a:r>
+          </a:p>
+          <a:p>
+            <a:r>
+              <a:rPr lang="en-US" sz="3200" dirty="0"/>
+              <a:t>The string only contains integers and separators</a:t>
+            </a:r>
+            <a:r>
+              <a:rPr lang="en-US" sz="3200" dirty="0">
+                <a:solidFill>
+                  <a:schemeClr val="accent1"/>
+                </a:solidFill>
+              </a:rPr>
+              <a:t>.</a:t>
+            </a:r>
+          </a:p>
+          <a:p>
+            <a:r>
+              <a:rPr lang="en-US" sz="3200" dirty="0">
+                <a:solidFill>
+                  <a:schemeClr val="accent6"/>
+                </a:solidFill>
+              </a:rPr>
+              <a:t>Test 1</a:t>
+            </a:r>
+          </a:p>
+          <a:p>
+            <a:pPr lvl="1"/>
+            <a:r>
+              <a:rPr lang="en-US" sz="2500" dirty="0">
+                <a:solidFill>
+                  <a:srgbClr val="00FF00"/>
+                </a:solidFill>
+                <a:latin typeface="Consolas" panose="020B0609020204030204" pitchFamily="49" charset="0"/>
+              </a:rPr>
+              <a:t>find_seperators('23,613-23;2:45')</a:t>
+            </a:r>
+          </a:p>
+          <a:p>
+            <a:pPr lvl="1"/>
+            <a:r>
+              <a:rPr lang="en-US" sz="2500" dirty="0">
+                <a:solidFill>
+                  <a:srgbClr val="00FF00"/>
+                </a:solidFill>
+                <a:latin typeface="Consolas" panose="020B0609020204030204" pitchFamily="49" charset="0"/>
+              </a:rPr>
+              <a:t>',-;:'</a:t>
+            </a:r>
+          </a:p>
+          <a:p>
+            <a:pPr lvl="1"/>
+            <a:r>
+              <a:rPr lang="en-US" sz="3200" dirty="0">
+                <a:solidFill>
+                  <a:schemeClr val="accent6"/>
+                </a:solidFill>
+              </a:rPr>
+              <a:t>Test 2</a:t>
+            </a:r>
+          </a:p>
+          <a:p>
+            <a:pPr lvl="1"/>
+            <a:r>
+              <a:rPr lang="en-US" sz="2500" dirty="0">
+                <a:solidFill>
+                  <a:srgbClr val="00FF00"/>
+                </a:solidFill>
+                <a:latin typeface="Consolas" panose="020B0609020204030204" pitchFamily="49" charset="0"/>
+              </a:rPr>
+              <a:t>find_seperators('613-555-3224')</a:t>
+            </a:r>
+          </a:p>
+          <a:p>
+            <a:pPr lvl="1"/>
+            <a:r>
+              <a:rPr lang="en-US" sz="2500" dirty="0">
+                <a:solidFill>
+                  <a:srgbClr val="00FF00"/>
+                </a:solidFill>
+                <a:latin typeface="Consolas" panose="020B0609020204030204" pitchFamily="49" charset="0"/>
+              </a:rPr>
+              <a:t>'-'</a:t>
+            </a:r>
+          </a:p>
+          <a:p>
+            <a:pPr lvl="1"/>
+            <a:endParaRPr lang="en-US" sz="2800" dirty="0">
+              <a:solidFill>
+                <a:srgbClr val="00FF00"/>
+              </a:solidFill>
+              <a:latin typeface="Consolas" panose="020B0609020204030204" pitchFamily="49" charset="0"/>
+            </a:endParaRPr>
+          </a:p>
+        </p:txBody>
+      </p:sp>
+      <p:sp>
+        <p:nvSpPr>
+          <p:cNvPr id="11" name="Rectangle: Rounded Corners 10">
+            <a:extLst>
+              <a:ext uri="{FF2B5EF4-FFF2-40B4-BE49-F238E27FC236}">
+                <a16:creationId xmlns:a16="http://schemas.microsoft.com/office/drawing/2014/main" id="{2AD12892-252D-47E8-9C1B-32729A13BC0B}"/>
+              </a:ext>
+            </a:extLst>
+          </p:cNvPr>
+          <p:cNvSpPr/>
+          <p:nvPr/>
+        </p:nvSpPr>
+        <p:spPr>
+          <a:xfrm>
+            <a:off x="7844590" y="1949006"/>
+            <a:ext cx="3958389" cy="4418765"/>
+          </a:xfrm>
+          <a:prstGeom prst="roundRect">
+            <a:avLst/>
+          </a:prstGeom>
+          <a:noFill/>
+          <a:ln w="76200">
+            <a:solidFill>
+              <a:schemeClr val="accent2"/>
+            </a:solidFill>
+          </a:ln>
+        </p:spPr>
+        <p:style>
+          <a:lnRef idx="2">
+            <a:schemeClr val="accent1">
+              <a:shade val="50000"/>
+            </a:schemeClr>
+          </a:lnRef>
+          <a:fillRef idx="1">
+            <a:schemeClr val="accent1"/>
+          </a:fillRef>
+          <a:effectRef idx="0">
+            <a:schemeClr val="accent1"/>
+          </a:effectRef>
+          <a:fontRef idx="minor">
+            <a:schemeClr val="lt1"/>
+          </a:fontRef>
+        </p:style>
+        <p:txBody>
+          <a:bodyPr rtlCol="0" anchor="ctr"/>
+          <a:lstStyle/>
+          <a:p>
+            <a:r>
+              <a:rPr lang="en-US" sz="4400" b="1" dirty="0">
+                <a:solidFill>
+                  <a:srgbClr val="FFFFFF"/>
+                </a:solidFill>
+              </a:rPr>
+              <a:t>Open your notebook</a:t>
+            </a:r>
+          </a:p>
+          <a:p>
+            <a:endParaRPr lang="en-US" sz="4400" b="1" dirty="0">
+              <a:solidFill>
+                <a:srgbClr val="FFFFFF"/>
+              </a:solidFill>
+            </a:endParaRPr>
+          </a:p>
+          <a:p>
+            <a:r>
+              <a:rPr lang="en-US" sz="2800" b="1" dirty="0">
+                <a:solidFill>
+                  <a:srgbClr val="FFFFFF"/>
+                </a:solidFill>
+              </a:rPr>
+              <a:t>Click Link</a:t>
+            </a:r>
+            <a:r>
+              <a:rPr lang="en-US" sz="2800" b="1" dirty="0">
+                <a:solidFill>
+                  <a:schemeClr val="accent6"/>
+                </a:solidFill>
+              </a:rPr>
+              <a:t>:</a:t>
+            </a:r>
+          </a:p>
+          <a:p>
+            <a:r>
+              <a:rPr lang="en-US" sz="2800" b="1" dirty="0">
+                <a:solidFill>
+                  <a:schemeClr val="accent6"/>
+                </a:solidFill>
+              </a:rPr>
+              <a:t>4. </a:t>
+            </a:r>
+            <a:r>
+              <a:rPr lang="en-US" sz="2600" b="1" dirty="0">
+                <a:solidFill>
+                  <a:schemeClr val="accent6"/>
+                </a:solidFill>
+              </a:rPr>
+              <a:t>Breakout Session 2</a:t>
+            </a:r>
+          </a:p>
+        </p:txBody>
+      </p:sp>
+    </p:spTree>
+    <p:extLst>
+      <p:ext uri="{BB962C8B-B14F-4D97-AF65-F5344CB8AC3E}">
+        <p14:creationId xmlns:p14="http://schemas.microsoft.com/office/powerpoint/2010/main" val="377450774"/>
+      </p:ext>
+    </p:extLst>
+  </p:cSld>
+  <p:clrMapOvr>
+    <a:masterClrMapping/>
+  </p:clrMapOvr>
+</p:sld>
+</file>
+
+<file path=ppt/slides/slide32.xml><?xml version="1.0" encoding="utf-8"?>
+<p:sld xmlns:a="http://schemas.openxmlformats.org/drawingml/2006/main" xmlns:r="http://schemas.openxmlformats.org/officeDocument/2006/relationships" xmlns:p="http://schemas.openxmlformats.org/presentationml/2006/main">
+  <p:cSld>
+    <p:spTree>
+      <p:nvGrpSpPr>
+        <p:cNvPr id="1" name=""/>
+        <p:cNvGrpSpPr/>
+        <p:nvPr/>
+      </p:nvGrpSpPr>
+      <p:grpSpPr>
+        <a:xfrm>
+          <a:off x="0" y="0"/>
+          <a:ext cx="0" cy="0"/>
+          <a:chOff x="0" y="0"/>
+          <a:chExt cx="0" cy="0"/>
+        </a:xfrm>
+      </p:grpSpPr>
+      <p:sp>
+        <p:nvSpPr>
+          <p:cNvPr id="4" name="Title 3">
+            <a:extLst>
+              <a:ext uri="{FF2B5EF4-FFF2-40B4-BE49-F238E27FC236}">
+                <a16:creationId xmlns:a16="http://schemas.microsoft.com/office/drawing/2014/main" id="{0C118C3C-13F5-4EA8-9EA9-3448AC35375E}"/>
+              </a:ext>
+            </a:extLst>
+          </p:cNvPr>
+          <p:cNvSpPr>
+            <a:spLocks noGrp="1"/>
+          </p:cNvSpPr>
+          <p:nvPr>
+            <p:ph type="title"/>
+          </p:nvPr>
+        </p:nvSpPr>
+        <p:spPr/>
+        <p:txBody>
+          <a:bodyPr>
+            <a:normAutofit fontScale="90000"/>
+          </a:bodyPr>
+          <a:lstStyle/>
+          <a:p>
+            <a:r>
+              <a:rPr lang="en-US" b="1" dirty="0"/>
+              <a:t>Lecture Recap</a:t>
+            </a:r>
+          </a:p>
+        </p:txBody>
+      </p:sp>
+      <p:sp>
+        <p:nvSpPr>
+          <p:cNvPr id="5" name="Content Placeholder 4">
+            <a:extLst>
+              <a:ext uri="{FF2B5EF4-FFF2-40B4-BE49-F238E27FC236}">
+                <a16:creationId xmlns:a16="http://schemas.microsoft.com/office/drawing/2014/main" id="{85F37492-86E3-47CA-8641-D7457D28B946}"/>
+              </a:ext>
+            </a:extLst>
+          </p:cNvPr>
+          <p:cNvSpPr>
+            <a:spLocks noGrp="1"/>
+          </p:cNvSpPr>
+          <p:nvPr>
+            <p:ph idx="1"/>
+          </p:nvPr>
+        </p:nvSpPr>
+        <p:spPr>
+          <a:xfrm>
+            <a:off x="838199" y="1825624"/>
+            <a:ext cx="11073063" cy="4835479"/>
+          </a:xfrm>
+        </p:spPr>
+        <p:txBody>
+          <a:bodyPr>
+            <a:normAutofit/>
+          </a:bodyPr>
+          <a:lstStyle/>
+          <a:p>
+            <a:r>
+              <a:rPr lang="en-US" sz="3600" dirty="0">
+                <a:solidFill>
+                  <a:schemeClr val="accent6"/>
+                </a:solidFill>
+                <a:latin typeface="Consolas" panose="020B0609020204030204" pitchFamily="49" charset="0"/>
+              </a:rPr>
+              <a:t>for</a:t>
+            </a:r>
+            <a:r>
+              <a:rPr lang="en-US" sz="3600" dirty="0"/>
+              <a:t> loops</a:t>
+            </a:r>
+            <a:r>
+              <a:rPr lang="en-US" sz="3600" dirty="0">
+                <a:solidFill>
+                  <a:schemeClr val="accent3"/>
+                </a:solidFill>
+              </a:rPr>
+              <a:t>.</a:t>
+            </a:r>
+          </a:p>
+          <a:p>
+            <a:r>
+              <a:rPr lang="en-US" sz="3600" dirty="0"/>
+              <a:t>Looping over strings</a:t>
+            </a:r>
+            <a:r>
+              <a:rPr lang="en-US" sz="3600" dirty="0">
+                <a:solidFill>
+                  <a:schemeClr val="accent3"/>
+                </a:solidFill>
+              </a:rPr>
+              <a:t>.</a:t>
+            </a:r>
+          </a:p>
+          <a:p>
+            <a:r>
+              <a:rPr lang="en-US" sz="3600" dirty="0"/>
+              <a:t>When to use a </a:t>
+            </a:r>
+            <a:r>
+              <a:rPr lang="en-US" sz="3600" dirty="0">
+                <a:solidFill>
+                  <a:schemeClr val="accent6"/>
+                </a:solidFill>
+                <a:latin typeface="Consolas" panose="020B0609020204030204" pitchFamily="49" charset="0"/>
+              </a:rPr>
+              <a:t>for</a:t>
+            </a:r>
+            <a:r>
+              <a:rPr lang="en-US" sz="3600" dirty="0"/>
+              <a:t> loop over a </a:t>
+            </a:r>
+            <a:r>
+              <a:rPr lang="en-US" sz="3600" dirty="0">
+                <a:solidFill>
+                  <a:schemeClr val="accent6"/>
+                </a:solidFill>
+                <a:latin typeface="Consolas" panose="020B0609020204030204" pitchFamily="49" charset="0"/>
+              </a:rPr>
+              <a:t>while</a:t>
+            </a:r>
+            <a:r>
+              <a:rPr lang="en-US" sz="3600" dirty="0"/>
+              <a:t> loop</a:t>
+            </a:r>
+            <a:r>
+              <a:rPr lang="en-US" sz="3600" dirty="0">
+                <a:solidFill>
+                  <a:schemeClr val="accent3"/>
+                </a:solidFill>
+              </a:rPr>
+              <a:t>.</a:t>
+            </a:r>
+          </a:p>
+        </p:txBody>
+      </p:sp>
+      <p:sp>
+        <p:nvSpPr>
+          <p:cNvPr id="6" name="TextBox 5">
+            <a:extLst>
+              <a:ext uri="{FF2B5EF4-FFF2-40B4-BE49-F238E27FC236}">
+                <a16:creationId xmlns:a16="http://schemas.microsoft.com/office/drawing/2014/main" id="{DA703043-B86C-43D7-83A2-C89F11DBF43E}"/>
+              </a:ext>
+            </a:extLst>
+          </p:cNvPr>
+          <p:cNvSpPr txBox="1"/>
+          <p:nvPr/>
+        </p:nvSpPr>
+        <p:spPr>
+          <a:xfrm>
+            <a:off x="9354071" y="1029719"/>
+            <a:ext cx="2265364" cy="707886"/>
+          </a:xfrm>
+          <a:prstGeom prst="rect">
+            <a:avLst/>
+          </a:prstGeom>
+          <a:noFill/>
+        </p:spPr>
+        <p:txBody>
+          <a:bodyPr wrap="none" rtlCol="0">
+            <a:spAutoFit/>
+          </a:bodyPr>
+          <a:lstStyle/>
+          <a:p>
+            <a:r>
+              <a:rPr lang="en-US" sz="4000" b="1" dirty="0">
+                <a:solidFill>
+                  <a:schemeClr val="accent6"/>
+                </a:solidFill>
+              </a:rPr>
+              <a:t>Practice</a:t>
+            </a:r>
+            <a:r>
+              <a:rPr lang="en-US" sz="4000" b="1" dirty="0">
+                <a:solidFill>
+                  <a:schemeClr val="accent1"/>
+                </a:solidFill>
+              </a:rPr>
+              <a:t>!</a:t>
+            </a:r>
+          </a:p>
+        </p:txBody>
+      </p:sp>
+    </p:spTree>
+    <p:extLst>
+      <p:ext uri="{BB962C8B-B14F-4D97-AF65-F5344CB8AC3E}">
+        <p14:creationId xmlns:p14="http://schemas.microsoft.com/office/powerpoint/2010/main" val="577522275"/>
+      </p:ext>
+    </p:extLst>
+  </p:cSld>
+  <p:clrMapOvr>
+    <a:masterClrMapping/>
+  </p:clrMapOvr>
+</p:sld>
+</file>
+
+<file path=ppt/slides/slide33.xml><?xml version="1.0" encoding="utf-8"?>
 <p:sld xmlns:a="http://schemas.openxmlformats.org/drawingml/2006/main" xmlns:r="http://schemas.openxmlformats.org/officeDocument/2006/relationships" xmlns:p="http://schemas.openxmlformats.org/presentationml/2006/main">
   <p:cSld>
     <p:spTree>

--- a/lectures/week6/lecture1/slides/week6_lecture1.pptx
+++ b/lectures/week6/lecture1/slides/week6_lecture1.pptx
@@ -31,13 +31,14 @@
     <p:sldId id="341" r:id="rId25"/>
     <p:sldId id="342" r:id="rId26"/>
     <p:sldId id="343" r:id="rId27"/>
-    <p:sldId id="352" r:id="rId28"/>
-    <p:sldId id="353" r:id="rId29"/>
-    <p:sldId id="354" r:id="rId30"/>
-    <p:sldId id="266" r:id="rId31"/>
-    <p:sldId id="344" r:id="rId32"/>
-    <p:sldId id="324" r:id="rId33"/>
-    <p:sldId id="325" r:id="rId34"/>
+    <p:sldId id="355" r:id="rId28"/>
+    <p:sldId id="352" r:id="rId29"/>
+    <p:sldId id="353" r:id="rId30"/>
+    <p:sldId id="354" r:id="rId31"/>
+    <p:sldId id="266" r:id="rId32"/>
+    <p:sldId id="344" r:id="rId33"/>
+    <p:sldId id="324" r:id="rId34"/>
+    <p:sldId id="325" r:id="rId35"/>
   </p:sldIdLst>
   <p:sldSz cx="12192000" cy="6858000"/>
   <p:notesSz cx="6858000" cy="9144000"/>
@@ -9563,7 +9564,7 @@
           <p:cNvPr id="2" name="Title 1">
             <a:extLst>
               <a:ext uri="{FF2B5EF4-FFF2-40B4-BE49-F238E27FC236}">
-                <a16:creationId xmlns:a16="http://schemas.microsoft.com/office/drawing/2014/main" id="{128C012E-E27C-4455-914A-F84B2E984449}"/>
+                <a16:creationId xmlns:a16="http://schemas.microsoft.com/office/drawing/2014/main" id="{6893B711-0E83-4839-B9C4-EBE47B8BD950}"/>
               </a:ext>
             </a:extLst>
           </p:cNvPr>
@@ -9584,48 +9585,23 @@
             <a:r>
               <a:rPr lang="en-US" b="1" dirty="0">
                 <a:solidFill>
-                  <a:srgbClr val="00FF00"/>
-                </a:solidFill>
-                <a:latin typeface="Courier New" panose="02070309020205020404" pitchFamily="49" charset="0"/>
-                <a:cs typeface="Courier New" panose="02070309020205020404" pitchFamily="49" charset="0"/>
+                  <a:schemeClr val="accent6"/>
+                </a:solidFill>
+              </a:rPr>
+              <a:t>for</a:t>
+            </a:r>
+            <a:r>
+              <a:rPr lang="en-US" b="1" dirty="0"/>
+              <a:t> vs </a:t>
+            </a:r>
+            <a:r>
+              <a:rPr lang="en-US" b="1" dirty="0">
+                <a:solidFill>
+                  <a:schemeClr val="accent6"/>
+                </a:solidFill>
               </a:rPr>
               <a:t>while</a:t>
             </a:r>
-            <a:r>
-              <a:rPr lang="en-US" b="1" dirty="0"/>
-              <a:t> </a:t>
-            </a:r>
-            <a:r>
-              <a:rPr lang="en-US" b="1" dirty="0">
-                <a:solidFill>
-                  <a:schemeClr val="accent2"/>
-                </a:solidFill>
-              </a:rPr>
-              <a:t>&amp;</a:t>
-            </a:r>
-            <a:r>
-              <a:rPr lang="en-US" b="1" dirty="0"/>
-              <a:t> </a:t>
-            </a:r>
-            <a:r>
-              <a:rPr lang="en-US" b="1" dirty="0">
-                <a:solidFill>
-                  <a:srgbClr val="00FF00"/>
-                </a:solidFill>
-                <a:latin typeface="Courier New" panose="02070309020205020404" pitchFamily="49" charset="0"/>
-                <a:cs typeface="Courier New" panose="02070309020205020404" pitchFamily="49" charset="0"/>
-              </a:rPr>
-              <a:t>for</a:t>
-            </a:r>
-            <a:r>
-              <a:rPr lang="en-US" b="1" dirty="0"/>
-              <a:t> Loops</a:t>
-            </a:r>
-            <a:endParaRPr lang="en-US" b="1" dirty="0">
-              <a:solidFill>
-                <a:schemeClr val="accent6"/>
-              </a:solidFill>
-            </a:endParaRPr>
           </a:p>
         </p:txBody>
       </p:sp>
@@ -9634,7 +9610,7 @@
           <p:cNvPr id="3" name="Content Placeholder 2">
             <a:extLst>
               <a:ext uri="{FF2B5EF4-FFF2-40B4-BE49-F238E27FC236}">
-                <a16:creationId xmlns:a16="http://schemas.microsoft.com/office/drawing/2014/main" id="{86B251CA-11BF-441F-8DAF-B316636B94DD}"/>
+                <a16:creationId xmlns:a16="http://schemas.microsoft.com/office/drawing/2014/main" id="{1A4618D0-1A35-4F96-9B10-97A44024E9EC}"/>
               </a:ext>
             </a:extLst>
           </p:cNvPr>
@@ -9647,37 +9623,83 @@
         </p:nvSpPr>
         <p:spPr>
           <a:xfrm>
-            <a:off x="838201" y="1825624"/>
-            <a:ext cx="4553810" cy="4900029"/>
-          </a:xfrm>
-        </p:spPr>
-        <p:txBody>
-          <a:bodyPr>
-            <a:normAutofit/>
-          </a:bodyPr>
-          <a:lstStyle/>
-          <a:p>
-            <a:r>
-              <a:rPr lang="en-US" b="1" dirty="0">
-                <a:solidFill>
-                  <a:srgbClr val="00FF00"/>
-                </a:solidFill>
-                <a:latin typeface="Courier New" panose="02070309020205020404" pitchFamily="49" charset="0"/>
-                <a:cs typeface="Courier New" panose="02070309020205020404" pitchFamily="49" charset="0"/>
-              </a:rPr>
-              <a:t>for</a:t>
-            </a:r>
+            <a:off x="838199" y="1825624"/>
+            <a:ext cx="6777789" cy="4835479"/>
+          </a:xfrm>
+        </p:spPr>
+        <p:txBody>
+          <a:bodyPr/>
+          <a:lstStyle/>
+          <a:p>
             <a:r>
               <a:rPr lang="en-US" dirty="0"/>
-              <a:t> loop or </a:t>
-            </a:r>
-            <a:r>
-              <a:rPr lang="en-US" b="1" dirty="0">
-                <a:solidFill>
-                  <a:srgbClr val="00FF00"/>
-                </a:solidFill>
-                <a:latin typeface="Courier New" panose="02070309020205020404" pitchFamily="49" charset="0"/>
-                <a:cs typeface="Courier New" panose="02070309020205020404" pitchFamily="49" charset="0"/>
+              <a:t>You should use a</a:t>
+            </a:r>
+            <a:r>
+              <a:rPr lang="en-US" dirty="0">
+                <a:solidFill>
+                  <a:schemeClr val="accent6"/>
+                </a:solidFill>
+                <a:latin typeface="Consolas" panose="020B0609020204030204" pitchFamily="49" charset="0"/>
+              </a:rPr>
+              <a:t> for </a:t>
+            </a:r>
+            <a:r>
+              <a:rPr lang="en-US" dirty="0"/>
+              <a:t>loop when you know how many times the loop should run</a:t>
+            </a:r>
+            <a:r>
+              <a:rPr lang="en-US" dirty="0">
+                <a:solidFill>
+                  <a:schemeClr val="accent2"/>
+                </a:solidFill>
+              </a:rPr>
+              <a:t>. </a:t>
+            </a:r>
+          </a:p>
+          <a:p>
+            <a:r>
+              <a:rPr lang="en-US" dirty="0"/>
+              <a:t>If you want the loop to break based on a condition </a:t>
+            </a:r>
+            <a:r>
+              <a:rPr lang="en-US" dirty="0">
+                <a:solidFill>
+                  <a:schemeClr val="accent6"/>
+                </a:solidFill>
+              </a:rPr>
+              <a:t>(</a:t>
+            </a:r>
+            <a:r>
+              <a:rPr lang="en-US" dirty="0"/>
+              <a:t>do this until</a:t>
+            </a:r>
+            <a:r>
+              <a:rPr lang="en-US" dirty="0">
+                <a:solidFill>
+                  <a:schemeClr val="accent2"/>
+                </a:solidFill>
+              </a:rPr>
+              <a:t>….</a:t>
+            </a:r>
+            <a:r>
+              <a:rPr lang="en-US" dirty="0">
+                <a:solidFill>
+                  <a:schemeClr val="accent6"/>
+                </a:solidFill>
+              </a:rPr>
+              <a:t>)</a:t>
+            </a:r>
+            <a:r>
+              <a:rPr lang="en-US" dirty="0"/>
+              <a:t> you should use a </a:t>
+            </a:r>
+            <a:r>
+              <a:rPr lang="en-US" dirty="0">
+                <a:solidFill>
+                  <a:schemeClr val="accent6"/>
+                </a:solidFill>
+                <a:latin typeface="Consolas" panose="020B0609020204030204" pitchFamily="49" charset="0"/>
               </a:rPr>
               <a:t>while</a:t>
             </a:r>
@@ -9691,308 +9713,7 @@
                   <a:schemeClr val="accent2"/>
                 </a:solidFill>
               </a:rPr>
-              <a:t>?</a:t>
-            </a:r>
-            <a:r>
-              <a:rPr lang="en-US" dirty="0"/>
-              <a:t> </a:t>
-            </a:r>
-            <a:endParaRPr lang="en-US" dirty="0">
-              <a:solidFill>
-                <a:schemeClr val="accent6"/>
-              </a:solidFill>
-            </a:endParaRPr>
-          </a:p>
-        </p:txBody>
-      </p:sp>
-      <p:sp>
-        <p:nvSpPr>
-          <p:cNvPr id="4" name="Rectangle: Rounded Corners 3">
-            <a:extLst>
-              <a:ext uri="{FF2B5EF4-FFF2-40B4-BE49-F238E27FC236}">
-                <a16:creationId xmlns:a16="http://schemas.microsoft.com/office/drawing/2014/main" id="{2C31784B-D1D2-4AC4-804A-F98336B4D789}"/>
-              </a:ext>
-            </a:extLst>
-          </p:cNvPr>
-          <p:cNvSpPr/>
-          <p:nvPr/>
-        </p:nvSpPr>
-        <p:spPr>
-          <a:xfrm>
-            <a:off x="9893218" y="837312"/>
-            <a:ext cx="1940888" cy="1744316"/>
-          </a:xfrm>
-          <a:prstGeom prst="roundRect">
-            <a:avLst/>
-          </a:prstGeom>
-          <a:noFill/>
-          <a:ln w="76200">
-            <a:solidFill>
-              <a:schemeClr val="accent2"/>
-            </a:solidFill>
-          </a:ln>
-        </p:spPr>
-        <p:style>
-          <a:lnRef idx="2">
-            <a:schemeClr val="accent1">
-              <a:shade val="50000"/>
-            </a:schemeClr>
-          </a:lnRef>
-          <a:fillRef idx="1">
-            <a:schemeClr val="accent1"/>
-          </a:fillRef>
-          <a:effectRef idx="0">
-            <a:schemeClr val="accent1"/>
-          </a:effectRef>
-          <a:fontRef idx="minor">
-            <a:schemeClr val="lt1"/>
-          </a:fontRef>
-        </p:style>
-        <p:txBody>
-          <a:bodyPr rtlCol="0" anchor="ctr"/>
-          <a:lstStyle/>
-          <a:p>
-            <a:pPr algn="ctr"/>
-            <a:r>
-              <a:rPr lang="en-US" sz="2400" b="1" dirty="0">
-                <a:solidFill>
-                  <a:srgbClr val="FFFFFF"/>
-                </a:solidFill>
-              </a:rPr>
-              <a:t>List of Customers</a:t>
-            </a:r>
-          </a:p>
-        </p:txBody>
-      </p:sp>
-      <p:sp>
-        <p:nvSpPr>
-          <p:cNvPr id="5" name="Oval 4">
-            <a:extLst>
-              <a:ext uri="{FF2B5EF4-FFF2-40B4-BE49-F238E27FC236}">
-                <a16:creationId xmlns:a16="http://schemas.microsoft.com/office/drawing/2014/main" id="{0D6B4462-C1F9-4A9B-A463-77B7999D3F7C}"/>
-              </a:ext>
-            </a:extLst>
-          </p:cNvPr>
-          <p:cNvSpPr/>
-          <p:nvPr/>
-        </p:nvSpPr>
-        <p:spPr>
-          <a:xfrm>
-            <a:off x="5276975" y="3120758"/>
-            <a:ext cx="3274143" cy="3274143"/>
-          </a:xfrm>
-          <a:prstGeom prst="ellipse">
-            <a:avLst/>
-          </a:prstGeom>
-          <a:noFill/>
-          <a:ln w="76200">
-            <a:solidFill>
-              <a:schemeClr val="accent2"/>
-            </a:solidFill>
-          </a:ln>
-        </p:spPr>
-        <p:style>
-          <a:lnRef idx="2">
-            <a:schemeClr val="accent1">
-              <a:shade val="50000"/>
-            </a:schemeClr>
-          </a:lnRef>
-          <a:fillRef idx="1">
-            <a:schemeClr val="accent1"/>
-          </a:fillRef>
-          <a:effectRef idx="0">
-            <a:schemeClr val="accent1"/>
-          </a:effectRef>
-          <a:fontRef idx="minor">
-            <a:schemeClr val="lt1"/>
-          </a:fontRef>
-        </p:style>
-        <p:txBody>
-          <a:bodyPr rtlCol="0" anchor="ctr"/>
-          <a:lstStyle/>
-          <a:p>
-            <a:pPr algn="ctr"/>
-            <a:r>
-              <a:rPr lang="en-US" sz="2800" b="1" dirty="0">
-                <a:solidFill>
-                  <a:srgbClr val="FFFFFF"/>
-                </a:solidFill>
-              </a:rPr>
-              <a:t>Send Promotional Email</a:t>
-            </a:r>
-          </a:p>
-        </p:txBody>
-      </p:sp>
-      <p:sp>
-        <p:nvSpPr>
-          <p:cNvPr id="6" name="Arrow: Right 5">
-            <a:extLst>
-              <a:ext uri="{FF2B5EF4-FFF2-40B4-BE49-F238E27FC236}">
-                <a16:creationId xmlns:a16="http://schemas.microsoft.com/office/drawing/2014/main" id="{3AB7A9E8-073A-4922-A93D-4FF5B3DCB72A}"/>
-              </a:ext>
-            </a:extLst>
-          </p:cNvPr>
-          <p:cNvSpPr/>
-          <p:nvPr/>
-        </p:nvSpPr>
-        <p:spPr>
-          <a:xfrm flipH="1">
-            <a:off x="2601620" y="4442213"/>
-            <a:ext cx="2194559" cy="631231"/>
-          </a:xfrm>
-          <a:prstGeom prst="rightArrow">
-            <a:avLst/>
-          </a:prstGeom>
-          <a:ln>
-            <a:noFill/>
-          </a:ln>
-        </p:spPr>
-        <p:style>
-          <a:lnRef idx="2">
-            <a:schemeClr val="accent1">
-              <a:shade val="50000"/>
-            </a:schemeClr>
-          </a:lnRef>
-          <a:fillRef idx="1">
-            <a:schemeClr val="accent1"/>
-          </a:fillRef>
-          <a:effectRef idx="0">
-            <a:schemeClr val="accent1"/>
-          </a:effectRef>
-          <a:fontRef idx="minor">
-            <a:schemeClr val="lt1"/>
-          </a:fontRef>
-        </p:style>
-        <p:txBody>
-          <a:bodyPr rtlCol="0" anchor="ctr"/>
-          <a:lstStyle/>
-          <a:p>
-            <a:pPr algn="ctr"/>
-            <a:endParaRPr lang="en-US"/>
-          </a:p>
-        </p:txBody>
-      </p:sp>
-      <p:sp>
-        <p:nvSpPr>
-          <p:cNvPr id="7" name="TextBox 6">
-            <a:extLst>
-              <a:ext uri="{FF2B5EF4-FFF2-40B4-BE49-F238E27FC236}">
-                <a16:creationId xmlns:a16="http://schemas.microsoft.com/office/drawing/2014/main" id="{CCA0881C-07D1-4F04-9CD5-60FAB9F3BF33}"/>
-              </a:ext>
-            </a:extLst>
-          </p:cNvPr>
-          <p:cNvSpPr txBox="1"/>
-          <p:nvPr/>
-        </p:nvSpPr>
-        <p:spPr>
-          <a:xfrm>
-            <a:off x="1416087" y="4496218"/>
-            <a:ext cx="1103187" cy="523220"/>
-          </a:xfrm>
-          <a:prstGeom prst="rect">
-            <a:avLst/>
-          </a:prstGeom>
-          <a:noFill/>
-        </p:spPr>
-        <p:txBody>
-          <a:bodyPr wrap="none" rtlCol="0">
-            <a:spAutoFit/>
-          </a:bodyPr>
-          <a:lstStyle/>
-          <a:p>
-            <a:r>
-              <a:rPr lang="en-US" sz="2800" b="1" dirty="0">
-                <a:solidFill>
-                  <a:srgbClr val="FFFFFF"/>
-                </a:solidFill>
-              </a:rPr>
-              <a:t>Email</a:t>
-            </a:r>
-          </a:p>
-        </p:txBody>
-      </p:sp>
-      <p:pic>
-        <p:nvPicPr>
-          <p:cNvPr id="1026" name="Picture 2" descr="Cycle PNG Images, Free Clipart Cycles Download - Free Transparent PNG Logos">
-            <a:extLst>
-              <a:ext uri="{FF2B5EF4-FFF2-40B4-BE49-F238E27FC236}">
-                <a16:creationId xmlns:a16="http://schemas.microsoft.com/office/drawing/2014/main" id="{02C69A0C-701A-41B7-B899-4F809C7C6416}"/>
-              </a:ext>
-            </a:extLst>
-          </p:cNvPr>
-          <p:cNvPicPr>
-            <a:picLocks noChangeAspect="1" noChangeArrowheads="1"/>
-          </p:cNvPicPr>
-          <p:nvPr/>
-        </p:nvPicPr>
-        <p:blipFill>
-          <a:blip r:embed="rId2">
-            <a:extLst>
-              <a:ext uri="{28A0092B-C50C-407E-A947-70E740481C1C}">
-                <a14:useLocalDpi xmlns:a14="http://schemas.microsoft.com/office/drawing/2010/main" val="0"/>
-              </a:ext>
-            </a:extLst>
-          </a:blip>
-          <a:srcRect/>
-          <a:stretch>
-            <a:fillRect/>
-          </a:stretch>
-        </p:blipFill>
-        <p:spPr bwMode="auto">
-          <a:xfrm flipH="1" flipV="1">
-            <a:off x="8371185" y="2466100"/>
-            <a:ext cx="1616421" cy="1616421"/>
-          </a:xfrm>
-          <a:prstGeom prst="rect">
-            <a:avLst/>
-          </a:prstGeom>
-          <a:noFill/>
-          <a:extLst>
-            <a:ext uri="{909E8E84-426E-40DD-AFC4-6F175D3DCCD1}">
-              <a14:hiddenFill xmlns:a14="http://schemas.microsoft.com/office/drawing/2010/main">
-                <a:solidFill>
-                  <a:srgbClr val="FFFFFF"/>
-                </a:solidFill>
-              </a14:hiddenFill>
-            </a:ext>
-          </a:extLst>
-        </p:spPr>
-      </p:pic>
-      <p:sp>
-        <p:nvSpPr>
-          <p:cNvPr id="10" name="TextBox 9">
-            <a:extLst>
-              <a:ext uri="{FF2B5EF4-FFF2-40B4-BE49-F238E27FC236}">
-                <a16:creationId xmlns:a16="http://schemas.microsoft.com/office/drawing/2014/main" id="{6FDE1E47-C1E8-4BBC-BF41-6DF5197226B2}"/>
-              </a:ext>
-            </a:extLst>
-          </p:cNvPr>
-          <p:cNvSpPr txBox="1"/>
-          <p:nvPr/>
-        </p:nvSpPr>
-        <p:spPr>
-          <a:xfrm>
-            <a:off x="7473741" y="1776710"/>
-            <a:ext cx="1574470" cy="523220"/>
-          </a:xfrm>
-          <a:prstGeom prst="rect">
-            <a:avLst/>
-          </a:prstGeom>
-          <a:noFill/>
-        </p:spPr>
-        <p:txBody>
-          <a:bodyPr wrap="none" rtlCol="0">
-            <a:spAutoFit/>
-          </a:bodyPr>
-          <a:lstStyle/>
-          <a:p>
-            <a:r>
-              <a:rPr lang="en-US" sz="2800" b="1" dirty="0">
-                <a:solidFill>
-                  <a:srgbClr val="FFFFFF"/>
-                </a:solidFill>
-              </a:rPr>
-              <a:t>Looping</a:t>
+              <a:t>.</a:t>
             </a:r>
           </a:p>
         </p:txBody>
@@ -10000,7 +9721,7 @@
     </p:spTree>
     <p:extLst>
       <p:ext uri="{BB962C8B-B14F-4D97-AF65-F5344CB8AC3E}">
-        <p14:creationId xmlns:p14="http://schemas.microsoft.com/office/powerpoint/2010/main" val="2426844338"/>
+        <p14:creationId xmlns:p14="http://schemas.microsoft.com/office/powerpoint/2010/main" val="1723296180"/>
       </p:ext>
     </p:extLst>
   </p:cSld>
@@ -10228,7 +9949,7 @@
                   <a:srgbClr val="FFFFFF"/>
                 </a:solidFill>
               </a:rPr>
-              <a:t>List of Tweets</a:t>
+              <a:t>List of Customers</a:t>
             </a:r>
           </a:p>
         </p:txBody>
@@ -10287,23 +10008,7 @@
                   <a:srgbClr val="FFFFFF"/>
                 </a:solidFill>
               </a:rPr>
-              <a:t>Does the Tweet contain </a:t>
-            </a:r>
-            <a:r>
-              <a:rPr lang="en-US" sz="2800" b="1" dirty="0">
-                <a:solidFill>
-                  <a:schemeClr val="accent6"/>
-                </a:solidFill>
-              </a:rPr>
-              <a:t>#</a:t>
-            </a:r>
-            <a:r>
-              <a:rPr lang="en-US" sz="2800" b="1" dirty="0">
-                <a:solidFill>
-                  <a:srgbClr val="FFFFFF"/>
-                </a:solidFill>
-              </a:rPr>
-              <a:t>cleancode</a:t>
+              <a:t>Send Promotional Email</a:t>
             </a:r>
           </a:p>
         </p:txBody>
@@ -10371,8 +10076,8 @@
         </p:nvSpPr>
         <p:spPr>
           <a:xfrm>
-            <a:off x="1215512" y="4496218"/>
-            <a:ext cx="1385123" cy="523220"/>
+            <a:off x="1416087" y="4496218"/>
+            <a:ext cx="1103187" cy="523220"/>
           </a:xfrm>
           <a:prstGeom prst="rect">
             <a:avLst/>
@@ -10391,23 +10096,7 @@
                   <a:srgbClr val="FFFFFF"/>
                 </a:solidFill>
               </a:rPr>
-              <a:t>Yes</a:t>
-            </a:r>
-            <a:r>
-              <a:rPr lang="en-US" sz="2800" b="1" dirty="0">
-                <a:solidFill>
-                  <a:schemeClr val="accent6"/>
-                </a:solidFill>
-              </a:rPr>
-              <a:t>/</a:t>
-            </a:r>
-            <a:r>
-              <a:rPr lang="en-US" sz="2800" b="1" dirty="0">
-                <a:solidFill>
-                  <a:srgbClr val="FFFFFF"/>
-                </a:solidFill>
-              </a:rPr>
-              <a:t>No</a:t>
+              <a:t>Email</a:t>
             </a:r>
           </a:p>
         </p:txBody>
@@ -10501,7 +10190,7 @@
     </p:spTree>
     <p:extLst>
       <p:ext uri="{BB962C8B-B14F-4D97-AF65-F5344CB8AC3E}">
-        <p14:creationId xmlns:p14="http://schemas.microsoft.com/office/powerpoint/2010/main" val="1253679786"/>
+        <p14:creationId xmlns:p14="http://schemas.microsoft.com/office/powerpoint/2010/main" val="2426844338"/>
       </p:ext>
     </p:extLst>
   </p:cSld>
@@ -10675,161 +10364,30 @@
           </a:p>
         </p:txBody>
       </p:sp>
-      <p:pic>
-        <p:nvPicPr>
-          <p:cNvPr id="1026" name="Picture 2" descr="Cycle PNG Images, Free Clipart Cycles Download - Free Transparent PNG Logos">
-            <a:extLst>
-              <a:ext uri="{FF2B5EF4-FFF2-40B4-BE49-F238E27FC236}">
-                <a16:creationId xmlns:a16="http://schemas.microsoft.com/office/drawing/2014/main" id="{02C69A0C-701A-41B7-B899-4F809C7C6416}"/>
-              </a:ext>
-            </a:extLst>
-          </p:cNvPr>
-          <p:cNvPicPr>
-            <a:picLocks noChangeAspect="1" noChangeArrowheads="1"/>
-          </p:cNvPicPr>
+      <p:sp>
+        <p:nvSpPr>
+          <p:cNvPr id="4" name="Rectangle: Rounded Corners 3">
+            <a:extLst>
+              <a:ext uri="{FF2B5EF4-FFF2-40B4-BE49-F238E27FC236}">
+                <a16:creationId xmlns:a16="http://schemas.microsoft.com/office/drawing/2014/main" id="{2C31784B-D1D2-4AC4-804A-F98336B4D789}"/>
+              </a:ext>
+            </a:extLst>
+          </p:cNvPr>
+          <p:cNvSpPr/>
           <p:nvPr/>
-        </p:nvPicPr>
-        <p:blipFill>
-          <a:blip r:embed="rId2">
-            <a:extLst>
-              <a:ext uri="{28A0092B-C50C-407E-A947-70E740481C1C}">
-                <a14:useLocalDpi xmlns:a14="http://schemas.microsoft.com/office/drawing/2010/main" val="0"/>
-              </a:ext>
-            </a:extLst>
-          </a:blip>
-          <a:srcRect/>
-          <a:stretch>
-            <a:fillRect/>
-          </a:stretch>
-        </p:blipFill>
-        <p:spPr bwMode="auto">
-          <a:xfrm flipH="1" flipV="1">
-            <a:off x="4798056" y="3296139"/>
-            <a:ext cx="1616421" cy="1616421"/>
-          </a:xfrm>
-          <a:prstGeom prst="rect">
+        </p:nvSpPr>
+        <p:spPr>
+          <a:xfrm>
+            <a:off x="9893218" y="837312"/>
+            <a:ext cx="1940888" cy="1744316"/>
+          </a:xfrm>
+          <a:prstGeom prst="roundRect">
             <a:avLst/>
           </a:prstGeom>
           <a:noFill/>
-          <a:extLst>
-            <a:ext uri="{909E8E84-426E-40DD-AFC4-6F175D3DCCD1}">
-              <a14:hiddenFill xmlns:a14="http://schemas.microsoft.com/office/drawing/2010/main">
-                <a:solidFill>
-                  <a:srgbClr val="FFFFFF"/>
-                </a:solidFill>
-              </a14:hiddenFill>
-            </a:ext>
-          </a:extLst>
-        </p:spPr>
-      </p:pic>
-      <p:sp>
-        <p:nvSpPr>
-          <p:cNvPr id="10" name="TextBox 9">
-            <a:extLst>
-              <a:ext uri="{FF2B5EF4-FFF2-40B4-BE49-F238E27FC236}">
-                <a16:creationId xmlns:a16="http://schemas.microsoft.com/office/drawing/2014/main" id="{6FDE1E47-C1E8-4BBC-BF41-6DF5197226B2}"/>
-              </a:ext>
-            </a:extLst>
-          </p:cNvPr>
-          <p:cNvSpPr txBox="1"/>
-          <p:nvPr/>
-        </p:nvSpPr>
-        <p:spPr>
-          <a:xfrm>
-            <a:off x="5172087" y="4982353"/>
-            <a:ext cx="1574470" cy="523220"/>
-          </a:xfrm>
-          <a:prstGeom prst="rect">
-            <a:avLst/>
-          </a:prstGeom>
-          <a:noFill/>
-        </p:spPr>
-        <p:txBody>
-          <a:bodyPr wrap="none" rtlCol="0">
-            <a:spAutoFit/>
-          </a:bodyPr>
-          <a:lstStyle/>
-          <a:p>
-            <a:r>
-              <a:rPr lang="en-US" sz="2800" b="1" dirty="0">
-                <a:solidFill>
-                  <a:srgbClr val="FFFFFF"/>
-                </a:solidFill>
-              </a:rPr>
-              <a:t>Looping</a:t>
-            </a:r>
-          </a:p>
-        </p:txBody>
-      </p:sp>
-      <p:pic>
-        <p:nvPicPr>
-          <p:cNvPr id="2050" name="Picture 2" descr="You Can Play &amp;#39;Where&amp;#39;s Waldo?&amp;#39; on Google Maps Right Now - Concrete Playground">
-            <a:extLst>
-              <a:ext uri="{FF2B5EF4-FFF2-40B4-BE49-F238E27FC236}">
-                <a16:creationId xmlns:a16="http://schemas.microsoft.com/office/drawing/2014/main" id="{8D377CFF-56ED-4468-9C90-201428D915C1}"/>
-              </a:ext>
-            </a:extLst>
-          </p:cNvPr>
-          <p:cNvPicPr>
-            <a:picLocks noChangeAspect="1" noChangeArrowheads="1"/>
-          </p:cNvPicPr>
-          <p:nvPr/>
-        </p:nvPicPr>
-        <p:blipFill rotWithShape="1">
-          <a:blip r:embed="rId3">
-            <a:extLst>
-              <a:ext uri="{28A0092B-C50C-407E-A947-70E740481C1C}">
-                <a14:useLocalDpi xmlns:a14="http://schemas.microsoft.com/office/drawing/2010/main" val="0"/>
-              </a:ext>
-            </a:extLst>
-          </a:blip>
-          <a:srcRect r="5966"/>
-          <a:stretch/>
-        </p:blipFill>
-        <p:spPr bwMode="auto">
-          <a:xfrm>
-            <a:off x="6972611" y="2571075"/>
-            <a:ext cx="5219389" cy="4162863"/>
-          </a:xfrm>
-          <a:prstGeom prst="rect">
-            <a:avLst/>
-          </a:prstGeom>
-          <a:noFill/>
-          <a:extLst>
-            <a:ext uri="{909E8E84-426E-40DD-AFC4-6F175D3DCCD1}">
-              <a14:hiddenFill xmlns:a14="http://schemas.microsoft.com/office/drawing/2010/main">
-                <a:solidFill>
-                  <a:srgbClr val="FFFFFF"/>
-                </a:solidFill>
-              </a14:hiddenFill>
-            </a:ext>
-          </a:extLst>
-        </p:spPr>
-      </p:pic>
-      <p:sp>
-        <p:nvSpPr>
-          <p:cNvPr id="8" name="Rectangle 7">
-            <a:extLst>
-              <a:ext uri="{FF2B5EF4-FFF2-40B4-BE49-F238E27FC236}">
-                <a16:creationId xmlns:a16="http://schemas.microsoft.com/office/drawing/2014/main" id="{A622B7E0-B526-41BC-8024-DD9FE4A9D64C}"/>
-              </a:ext>
-            </a:extLst>
-          </p:cNvPr>
-          <p:cNvSpPr/>
-          <p:nvPr/>
-        </p:nvSpPr>
-        <p:spPr>
-          <a:xfrm>
-            <a:off x="6972611" y="2571075"/>
-            <a:ext cx="500184" cy="500184"/>
-          </a:xfrm>
-          <a:prstGeom prst="rect">
-            <a:avLst/>
-          </a:prstGeom>
-          <a:noFill/>
-          <a:ln w="57150">
+          <a:ln w="76200">
             <a:solidFill>
-              <a:srgbClr val="FF0000"/>
+              <a:schemeClr val="accent2"/>
             </a:solidFill>
           </a:ln>
         </p:spPr>
@@ -10854,16 +10412,23 @@
           <a:lstStyle/>
           <a:p>
             <a:pPr algn="ctr"/>
-            <a:endParaRPr lang="en-US"/>
-          </a:p>
-        </p:txBody>
-      </p:sp>
-      <p:sp>
-        <p:nvSpPr>
-          <p:cNvPr id="12" name="Oval 11">
-            <a:extLst>
-              <a:ext uri="{FF2B5EF4-FFF2-40B4-BE49-F238E27FC236}">
-                <a16:creationId xmlns:a16="http://schemas.microsoft.com/office/drawing/2014/main" id="{186EFF4A-61AE-498F-912B-59CDD2A8FA45}"/>
+            <a:r>
+              <a:rPr lang="en-US" sz="2400" b="1" dirty="0">
+                <a:solidFill>
+                  <a:srgbClr val="FFFFFF"/>
+                </a:solidFill>
+              </a:rPr>
+              <a:t>List of Tweets</a:t>
+            </a:r>
+          </a:p>
+        </p:txBody>
+      </p:sp>
+      <p:sp>
+        <p:nvSpPr>
+          <p:cNvPr id="5" name="Oval 4">
+            <a:extLst>
+              <a:ext uri="{FF2B5EF4-FFF2-40B4-BE49-F238E27FC236}">
+                <a16:creationId xmlns:a16="http://schemas.microsoft.com/office/drawing/2014/main" id="{0D6B4462-C1F9-4A9B-A463-77B7999D3F7C}"/>
               </a:ext>
             </a:extLst>
           </p:cNvPr>
@@ -10872,8 +10437,8 @@
         </p:nvSpPr>
         <p:spPr>
           <a:xfrm>
-            <a:off x="2437214" y="4318649"/>
-            <a:ext cx="2092104" cy="2092104"/>
+            <a:off x="5276975" y="3120758"/>
+            <a:ext cx="3274143" cy="3274143"/>
           </a:xfrm>
           <a:prstGeom prst="ellipse">
             <a:avLst/>
@@ -10912,17 +10477,33 @@
                   <a:srgbClr val="FFFFFF"/>
                 </a:solidFill>
               </a:rPr>
-              <a:t>Check for Waldo</a:t>
-            </a:r>
-          </a:p>
-        </p:txBody>
-      </p:sp>
-      <p:sp>
-        <p:nvSpPr>
-          <p:cNvPr id="13" name="Arrow: Right 12">
-            <a:extLst>
-              <a:ext uri="{FF2B5EF4-FFF2-40B4-BE49-F238E27FC236}">
-                <a16:creationId xmlns:a16="http://schemas.microsoft.com/office/drawing/2014/main" id="{7C4C1ACB-F9BD-486E-BED2-7310B8F6952E}"/>
+              <a:t>Does the Tweet contain </a:t>
+            </a:r>
+            <a:r>
+              <a:rPr lang="en-US" sz="2800" b="1" dirty="0">
+                <a:solidFill>
+                  <a:schemeClr val="accent6"/>
+                </a:solidFill>
+              </a:rPr>
+              <a:t>#</a:t>
+            </a:r>
+            <a:r>
+              <a:rPr lang="en-US" sz="2800" b="1" dirty="0">
+                <a:solidFill>
+                  <a:srgbClr val="FFFFFF"/>
+                </a:solidFill>
+              </a:rPr>
+              <a:t>cleancode</a:t>
+            </a:r>
+          </a:p>
+        </p:txBody>
+      </p:sp>
+      <p:sp>
+        <p:nvSpPr>
+          <p:cNvPr id="6" name="Arrow: Right 5">
+            <a:extLst>
+              <a:ext uri="{FF2B5EF4-FFF2-40B4-BE49-F238E27FC236}">
+                <a16:creationId xmlns:a16="http://schemas.microsoft.com/office/drawing/2014/main" id="{3AB7A9E8-073A-4922-A93D-4FF5B3DCB72A}"/>
               </a:ext>
             </a:extLst>
           </p:cNvPr>
@@ -10931,8 +10512,8 @@
         </p:nvSpPr>
         <p:spPr>
           <a:xfrm flipH="1">
-            <a:off x="1516346" y="5115214"/>
-            <a:ext cx="706612" cy="631231"/>
+            <a:off x="2601620" y="4442213"/>
+            <a:ext cx="2194559" cy="631231"/>
           </a:xfrm>
           <a:prstGeom prst="rightArrow">
             <a:avLst/>
@@ -10968,10 +10549,10 @@
       </p:sp>
       <p:sp>
         <p:nvSpPr>
-          <p:cNvPr id="14" name="TextBox 13">
-            <a:extLst>
-              <a:ext uri="{FF2B5EF4-FFF2-40B4-BE49-F238E27FC236}">
-                <a16:creationId xmlns:a16="http://schemas.microsoft.com/office/drawing/2014/main" id="{39D5FE98-2EBF-42F1-A953-6551D95D7EFA}"/>
+          <p:cNvPr id="7" name="TextBox 6">
+            <a:extLst>
+              <a:ext uri="{FF2B5EF4-FFF2-40B4-BE49-F238E27FC236}">
+                <a16:creationId xmlns:a16="http://schemas.microsoft.com/office/drawing/2014/main" id="{CCA0881C-07D1-4F04-9CD5-60FAB9F3BF33}"/>
               </a:ext>
             </a:extLst>
           </p:cNvPr>
@@ -10980,7 +10561,7 @@
         </p:nvSpPr>
         <p:spPr>
           <a:xfrm>
-            <a:off x="130238" y="5169219"/>
+            <a:off x="1215512" y="4496218"/>
             <a:ext cx="1385123" cy="523220"/>
           </a:xfrm>
           <a:prstGeom prst="rect">
@@ -11021,10 +10602,96 @@
           </a:p>
         </p:txBody>
       </p:sp>
+      <p:pic>
+        <p:nvPicPr>
+          <p:cNvPr id="1026" name="Picture 2" descr="Cycle PNG Images, Free Clipart Cycles Download - Free Transparent PNG Logos">
+            <a:extLst>
+              <a:ext uri="{FF2B5EF4-FFF2-40B4-BE49-F238E27FC236}">
+                <a16:creationId xmlns:a16="http://schemas.microsoft.com/office/drawing/2014/main" id="{02C69A0C-701A-41B7-B899-4F809C7C6416}"/>
+              </a:ext>
+            </a:extLst>
+          </p:cNvPr>
+          <p:cNvPicPr>
+            <a:picLocks noChangeAspect="1" noChangeArrowheads="1"/>
+          </p:cNvPicPr>
+          <p:nvPr/>
+        </p:nvPicPr>
+        <p:blipFill>
+          <a:blip r:embed="rId2">
+            <a:extLst>
+              <a:ext uri="{28A0092B-C50C-407E-A947-70E740481C1C}">
+                <a14:useLocalDpi xmlns:a14="http://schemas.microsoft.com/office/drawing/2010/main" val="0"/>
+              </a:ext>
+            </a:extLst>
+          </a:blip>
+          <a:srcRect/>
+          <a:stretch>
+            <a:fillRect/>
+          </a:stretch>
+        </p:blipFill>
+        <p:spPr bwMode="auto">
+          <a:xfrm flipH="1" flipV="1">
+            <a:off x="8371185" y="2466100"/>
+            <a:ext cx="1616421" cy="1616421"/>
+          </a:xfrm>
+          <a:prstGeom prst="rect">
+            <a:avLst/>
+          </a:prstGeom>
+          <a:noFill/>
+          <a:extLst>
+            <a:ext uri="{909E8E84-426E-40DD-AFC4-6F175D3DCCD1}">
+              <a14:hiddenFill xmlns:a14="http://schemas.microsoft.com/office/drawing/2010/main">
+                <a:solidFill>
+                  <a:srgbClr val="FFFFFF"/>
+                </a:solidFill>
+              </a14:hiddenFill>
+            </a:ext>
+          </a:extLst>
+        </p:spPr>
+      </p:pic>
+      <p:sp>
+        <p:nvSpPr>
+          <p:cNvPr id="10" name="TextBox 9">
+            <a:extLst>
+              <a:ext uri="{FF2B5EF4-FFF2-40B4-BE49-F238E27FC236}">
+                <a16:creationId xmlns:a16="http://schemas.microsoft.com/office/drawing/2014/main" id="{6FDE1E47-C1E8-4BBC-BF41-6DF5197226B2}"/>
+              </a:ext>
+            </a:extLst>
+          </p:cNvPr>
+          <p:cNvSpPr txBox="1"/>
+          <p:nvPr/>
+        </p:nvSpPr>
+        <p:spPr>
+          <a:xfrm>
+            <a:off x="7473741" y="1776710"/>
+            <a:ext cx="1574470" cy="523220"/>
+          </a:xfrm>
+          <a:prstGeom prst="rect">
+            <a:avLst/>
+          </a:prstGeom>
+          <a:noFill/>
+        </p:spPr>
+        <p:txBody>
+          <a:bodyPr wrap="none" rtlCol="0">
+            <a:spAutoFit/>
+          </a:bodyPr>
+          <a:lstStyle/>
+          <a:p>
+            <a:r>
+              <a:rPr lang="en-US" sz="2800" b="1" dirty="0">
+                <a:solidFill>
+                  <a:srgbClr val="FFFFFF"/>
+                </a:solidFill>
+              </a:rPr>
+              <a:t>Looping</a:t>
+            </a:r>
+          </a:p>
+        </p:txBody>
+      </p:sp>
     </p:spTree>
     <p:extLst>
       <p:ext uri="{BB962C8B-B14F-4D97-AF65-F5344CB8AC3E}">
-        <p14:creationId xmlns:p14="http://schemas.microsoft.com/office/powerpoint/2010/main" val="1988805112"/>
+        <p14:creationId xmlns:p14="http://schemas.microsoft.com/office/powerpoint/2010/main" val="1253679786"/>
       </p:ext>
     </p:extLst>
   </p:cSld>
@@ -11491,12 +11158,7 @@
             <p:ph type="title"/>
           </p:nvPr>
         </p:nvSpPr>
-        <p:spPr>
-          <a:xfrm>
-            <a:off x="838200" y="727514"/>
-            <a:ext cx="10515600" cy="656148"/>
-          </a:xfrm>
-        </p:spPr>
+        <p:spPr/>
         <p:txBody>
           <a:bodyPr>
             <a:normAutofit fontScale="90000"/>
@@ -11506,15 +11168,48 @@
             <a:r>
               <a:rPr lang="en-US" b="1" dirty="0">
                 <a:solidFill>
-                  <a:schemeClr val="accent6"/>
-                </a:solidFill>
-              </a:rPr>
-              <a:t>Breakout Session </a:t>
+                  <a:srgbClr val="00FF00"/>
+                </a:solidFill>
+                <a:latin typeface="Courier New" panose="02070309020205020404" pitchFamily="49" charset="0"/>
+                <a:cs typeface="Courier New" panose="02070309020205020404" pitchFamily="49" charset="0"/>
+              </a:rPr>
+              <a:t>while</a:t>
             </a:r>
             <a:r>
               <a:rPr lang="en-US" b="1" dirty="0"/>
-              <a:t>1</a:t>
-            </a:r>
+              <a:t> </a:t>
+            </a:r>
+            <a:r>
+              <a:rPr lang="en-US" b="1" dirty="0">
+                <a:solidFill>
+                  <a:schemeClr val="accent2"/>
+                </a:solidFill>
+              </a:rPr>
+              <a:t>&amp;</a:t>
+            </a:r>
+            <a:r>
+              <a:rPr lang="en-US" b="1" dirty="0"/>
+              <a:t> </a:t>
+            </a:r>
+            <a:r>
+              <a:rPr lang="en-US" b="1" dirty="0">
+                <a:solidFill>
+                  <a:srgbClr val="00FF00"/>
+                </a:solidFill>
+                <a:latin typeface="Courier New" panose="02070309020205020404" pitchFamily="49" charset="0"/>
+                <a:cs typeface="Courier New" panose="02070309020205020404" pitchFamily="49" charset="0"/>
+              </a:rPr>
+              <a:t>for</a:t>
+            </a:r>
+            <a:r>
+              <a:rPr lang="en-US" b="1" dirty="0"/>
+              <a:t> Loops</a:t>
+            </a:r>
+            <a:endParaRPr lang="en-US" b="1" dirty="0">
+              <a:solidFill>
+                <a:schemeClr val="accent6"/>
+              </a:solidFill>
+            </a:endParaRPr>
           </a:p>
         </p:txBody>
       </p:sp>
@@ -11536,8 +11231,8 @@
         </p:nvSpPr>
         <p:spPr>
           <a:xfrm>
-            <a:off x="838200" y="1825624"/>
-            <a:ext cx="6825915" cy="4900029"/>
+            <a:off x="838201" y="1825624"/>
+            <a:ext cx="4553810" cy="4900029"/>
           </a:xfrm>
         </p:spPr>
         <p:txBody>
@@ -11547,154 +11242,208 @@
           <a:lstStyle/>
           <a:p>
             <a:r>
-              <a:rPr lang="en-US" sz="3200" dirty="0"/>
-              <a:t>Write a function that takes in a string and returns the number of vowels in the string</a:t>
-            </a:r>
-            <a:r>
-              <a:rPr lang="en-US" sz="3200" dirty="0">
-                <a:solidFill>
-                  <a:schemeClr val="accent1"/>
-                </a:solidFill>
-              </a:rPr>
-              <a:t>. (</a:t>
-            </a:r>
-            <a:r>
-              <a:rPr lang="en-US" sz="3200" dirty="0"/>
-              <a:t>use</a:t>
-            </a:r>
-            <a:r>
-              <a:rPr lang="en-US" sz="3200" dirty="0">
-                <a:solidFill>
-                  <a:schemeClr val="accent1"/>
-                </a:solidFill>
-              </a:rPr>
+              <a:rPr lang="en-US" b="1" dirty="0">
+                <a:solidFill>
+                  <a:srgbClr val="00FF00"/>
+                </a:solidFill>
+                <a:latin typeface="Courier New" panose="02070309020205020404" pitchFamily="49" charset="0"/>
+                <a:cs typeface="Courier New" panose="02070309020205020404" pitchFamily="49" charset="0"/>
+              </a:rPr>
+              <a:t>for</a:t>
+            </a:r>
+            <a:r>
+              <a:rPr lang="en-US" dirty="0"/>
+              <a:t> loop or </a:t>
+            </a:r>
+            <a:r>
+              <a:rPr lang="en-US" b="1" dirty="0">
+                <a:solidFill>
+                  <a:srgbClr val="00FF00"/>
+                </a:solidFill>
+                <a:latin typeface="Courier New" panose="02070309020205020404" pitchFamily="49" charset="0"/>
+                <a:cs typeface="Courier New" panose="02070309020205020404" pitchFamily="49" charset="0"/>
+              </a:rPr>
+              <a:t>while</a:t>
+            </a:r>
+            <a:r>
+              <a:rPr lang="en-US" dirty="0"/>
+              <a:t> loop</a:t>
+            </a:r>
+            <a:r>
+              <a:rPr lang="en-US" dirty="0">
+                <a:solidFill>
+                  <a:schemeClr val="accent2"/>
+                </a:solidFill>
+              </a:rPr>
+              <a:t>?</a:t>
+            </a:r>
+            <a:r>
+              <a:rPr lang="en-US" dirty="0"/>
               <a:t> </a:t>
             </a:r>
-            <a:r>
-              <a:rPr lang="en-US" sz="3200" b="1" dirty="0">
-                <a:solidFill>
-                  <a:schemeClr val="accent6"/>
-                </a:solidFill>
-                <a:latin typeface="Courier New" panose="02070309020205020404" pitchFamily="49" charset="0"/>
-                <a:cs typeface="Courier New" panose="02070309020205020404" pitchFamily="49" charset="0"/>
-              </a:rPr>
-              <a:t>for</a:t>
-            </a:r>
-            <a:r>
-              <a:rPr lang="en-US" sz="3200" dirty="0">
-                <a:solidFill>
-                  <a:schemeClr val="accent1"/>
-                </a:solidFill>
-              </a:rPr>
-              <a:t> </a:t>
-            </a:r>
-            <a:r>
-              <a:rPr lang="en-US" sz="3200" dirty="0"/>
-              <a:t>loop</a:t>
-            </a:r>
-            <a:r>
-              <a:rPr lang="en-US" sz="3200" dirty="0">
-                <a:solidFill>
-                  <a:schemeClr val="accent1"/>
-                </a:solidFill>
-              </a:rPr>
-              <a:t>)</a:t>
-            </a:r>
-          </a:p>
-          <a:p>
-            <a:r>
-              <a:rPr lang="en-US" sz="3200" dirty="0">
-                <a:solidFill>
-                  <a:schemeClr val="accent6"/>
-                </a:solidFill>
-              </a:rPr>
-              <a:t>Test 1</a:t>
-            </a:r>
-          </a:p>
-          <a:p>
-            <a:pPr lvl="1"/>
-            <a:r>
-              <a:rPr lang="en-US" sz="2800" dirty="0">
-                <a:solidFill>
-                  <a:srgbClr val="00FF00"/>
-                </a:solidFill>
-                <a:latin typeface="Consolas" panose="020B0609020204030204" pitchFamily="49" charset="0"/>
-              </a:rPr>
-              <a:t>count_vowels('Happy Anniversary!')</a:t>
-            </a:r>
-          </a:p>
-          <a:p>
-            <a:pPr lvl="1"/>
-            <a:r>
-              <a:rPr lang="en-US" sz="2800" dirty="0">
-                <a:solidFill>
-                  <a:srgbClr val="00FF00"/>
-                </a:solidFill>
-                <a:latin typeface="Consolas" panose="020B0609020204030204" pitchFamily="49" charset="0"/>
-              </a:rPr>
-              <a:t>5</a:t>
-            </a:r>
-          </a:p>
-          <a:p>
-            <a:r>
-              <a:rPr lang="en-US" sz="3200" dirty="0">
-                <a:solidFill>
-                  <a:schemeClr val="accent6"/>
-                </a:solidFill>
-              </a:rPr>
-              <a:t>Test 2</a:t>
-            </a:r>
-          </a:p>
-          <a:p>
-            <a:pPr lvl="1"/>
-            <a:r>
-              <a:rPr lang="en-US" sz="2800" dirty="0">
-                <a:solidFill>
-                  <a:srgbClr val="00FF00"/>
-                </a:solidFill>
-                <a:latin typeface="Consolas" panose="020B0609020204030204" pitchFamily="49" charset="0"/>
-              </a:rPr>
-              <a:t>count_vowels('xyz')</a:t>
-            </a:r>
-          </a:p>
-          <a:p>
-            <a:pPr lvl="1"/>
-            <a:r>
-              <a:rPr lang="en-US" sz="2800" dirty="0">
-                <a:solidFill>
-                  <a:srgbClr val="00FF00"/>
-                </a:solidFill>
-                <a:latin typeface="Consolas" panose="020B0609020204030204" pitchFamily="49" charset="0"/>
-              </a:rPr>
-              <a:t>0</a:t>
-            </a:r>
-          </a:p>
-        </p:txBody>
-      </p:sp>
-      <p:sp>
-        <p:nvSpPr>
-          <p:cNvPr id="11" name="Rectangle: Rounded Corners 10">
-            <a:extLst>
-              <a:ext uri="{FF2B5EF4-FFF2-40B4-BE49-F238E27FC236}">
-                <a16:creationId xmlns:a16="http://schemas.microsoft.com/office/drawing/2014/main" id="{2AD12892-252D-47E8-9C1B-32729A13BC0B}"/>
-              </a:ext>
-            </a:extLst>
-          </p:cNvPr>
-          <p:cNvSpPr/>
+            <a:endParaRPr lang="en-US" dirty="0">
+              <a:solidFill>
+                <a:schemeClr val="accent6"/>
+              </a:solidFill>
+            </a:endParaRPr>
+          </a:p>
+        </p:txBody>
+      </p:sp>
+      <p:pic>
+        <p:nvPicPr>
+          <p:cNvPr id="1026" name="Picture 2" descr="Cycle PNG Images, Free Clipart Cycles Download - Free Transparent PNG Logos">
+            <a:extLst>
+              <a:ext uri="{FF2B5EF4-FFF2-40B4-BE49-F238E27FC236}">
+                <a16:creationId xmlns:a16="http://schemas.microsoft.com/office/drawing/2014/main" id="{02C69A0C-701A-41B7-B899-4F809C7C6416}"/>
+              </a:ext>
+            </a:extLst>
+          </p:cNvPr>
+          <p:cNvPicPr>
+            <a:picLocks noChangeAspect="1" noChangeArrowheads="1"/>
+          </p:cNvPicPr>
           <p:nvPr/>
-        </p:nvSpPr>
-        <p:spPr>
-          <a:xfrm>
-            <a:off x="7844590" y="1949006"/>
-            <a:ext cx="3958389" cy="4418765"/>
-          </a:xfrm>
-          <a:prstGeom prst="roundRect">
+        </p:nvPicPr>
+        <p:blipFill>
+          <a:blip r:embed="rId2">
+            <a:extLst>
+              <a:ext uri="{28A0092B-C50C-407E-A947-70E740481C1C}">
+                <a14:useLocalDpi xmlns:a14="http://schemas.microsoft.com/office/drawing/2010/main" val="0"/>
+              </a:ext>
+            </a:extLst>
+          </a:blip>
+          <a:srcRect/>
+          <a:stretch>
+            <a:fillRect/>
+          </a:stretch>
+        </p:blipFill>
+        <p:spPr bwMode="auto">
+          <a:xfrm flipH="1" flipV="1">
+            <a:off x="4798056" y="3296139"/>
+            <a:ext cx="1616421" cy="1616421"/>
+          </a:xfrm>
+          <a:prstGeom prst="rect">
             <a:avLst/>
           </a:prstGeom>
           <a:noFill/>
-          <a:ln w="76200">
+          <a:extLst>
+            <a:ext uri="{909E8E84-426E-40DD-AFC4-6F175D3DCCD1}">
+              <a14:hiddenFill xmlns:a14="http://schemas.microsoft.com/office/drawing/2010/main">
+                <a:solidFill>
+                  <a:srgbClr val="FFFFFF"/>
+                </a:solidFill>
+              </a14:hiddenFill>
+            </a:ext>
+          </a:extLst>
+        </p:spPr>
+      </p:pic>
+      <p:sp>
+        <p:nvSpPr>
+          <p:cNvPr id="10" name="TextBox 9">
+            <a:extLst>
+              <a:ext uri="{FF2B5EF4-FFF2-40B4-BE49-F238E27FC236}">
+                <a16:creationId xmlns:a16="http://schemas.microsoft.com/office/drawing/2014/main" id="{6FDE1E47-C1E8-4BBC-BF41-6DF5197226B2}"/>
+              </a:ext>
+            </a:extLst>
+          </p:cNvPr>
+          <p:cNvSpPr txBox="1"/>
+          <p:nvPr/>
+        </p:nvSpPr>
+        <p:spPr>
+          <a:xfrm>
+            <a:off x="5172087" y="4982353"/>
+            <a:ext cx="1574470" cy="523220"/>
+          </a:xfrm>
+          <a:prstGeom prst="rect">
+            <a:avLst/>
+          </a:prstGeom>
+          <a:noFill/>
+        </p:spPr>
+        <p:txBody>
+          <a:bodyPr wrap="none" rtlCol="0">
+            <a:spAutoFit/>
+          </a:bodyPr>
+          <a:lstStyle/>
+          <a:p>
+            <a:r>
+              <a:rPr lang="en-US" sz="2800" b="1" dirty="0">
+                <a:solidFill>
+                  <a:srgbClr val="FFFFFF"/>
+                </a:solidFill>
+              </a:rPr>
+              <a:t>Looping</a:t>
+            </a:r>
+          </a:p>
+        </p:txBody>
+      </p:sp>
+      <p:pic>
+        <p:nvPicPr>
+          <p:cNvPr id="2050" name="Picture 2" descr="You Can Play &amp;#39;Where&amp;#39;s Waldo?&amp;#39; on Google Maps Right Now - Concrete Playground">
+            <a:extLst>
+              <a:ext uri="{FF2B5EF4-FFF2-40B4-BE49-F238E27FC236}">
+                <a16:creationId xmlns:a16="http://schemas.microsoft.com/office/drawing/2014/main" id="{8D377CFF-56ED-4468-9C90-201428D915C1}"/>
+              </a:ext>
+            </a:extLst>
+          </p:cNvPr>
+          <p:cNvPicPr>
+            <a:picLocks noChangeAspect="1" noChangeArrowheads="1"/>
+          </p:cNvPicPr>
+          <p:nvPr/>
+        </p:nvPicPr>
+        <p:blipFill rotWithShape="1">
+          <a:blip r:embed="rId3">
+            <a:extLst>
+              <a:ext uri="{28A0092B-C50C-407E-A947-70E740481C1C}">
+                <a14:useLocalDpi xmlns:a14="http://schemas.microsoft.com/office/drawing/2010/main" val="0"/>
+              </a:ext>
+            </a:extLst>
+          </a:blip>
+          <a:srcRect r="5966"/>
+          <a:stretch/>
+        </p:blipFill>
+        <p:spPr bwMode="auto">
+          <a:xfrm>
+            <a:off x="6972611" y="2571075"/>
+            <a:ext cx="5219389" cy="4162863"/>
+          </a:xfrm>
+          <a:prstGeom prst="rect">
+            <a:avLst/>
+          </a:prstGeom>
+          <a:noFill/>
+          <a:extLst>
+            <a:ext uri="{909E8E84-426E-40DD-AFC4-6F175D3DCCD1}">
+              <a14:hiddenFill xmlns:a14="http://schemas.microsoft.com/office/drawing/2010/main">
+                <a:solidFill>
+                  <a:srgbClr val="FFFFFF"/>
+                </a:solidFill>
+              </a14:hiddenFill>
+            </a:ext>
+          </a:extLst>
+        </p:spPr>
+      </p:pic>
+      <p:sp>
+        <p:nvSpPr>
+          <p:cNvPr id="8" name="Rectangle 7">
+            <a:extLst>
+              <a:ext uri="{FF2B5EF4-FFF2-40B4-BE49-F238E27FC236}">
+                <a16:creationId xmlns:a16="http://schemas.microsoft.com/office/drawing/2014/main" id="{A622B7E0-B526-41BC-8024-DD9FE4A9D64C}"/>
+              </a:ext>
+            </a:extLst>
+          </p:cNvPr>
+          <p:cNvSpPr/>
+          <p:nvPr/>
+        </p:nvSpPr>
+        <p:spPr>
+          <a:xfrm>
+            <a:off x="6972611" y="2571075"/>
+            <a:ext cx="500184" cy="500184"/>
+          </a:xfrm>
+          <a:prstGeom prst="rect">
+            <a:avLst/>
+          </a:prstGeom>
+          <a:noFill/>
+          <a:ln w="57150">
             <a:solidFill>
-              <a:schemeClr val="accent2"/>
+              <a:srgbClr val="FF0000"/>
             </a:solidFill>
           </a:ln>
         </p:spPr>
@@ -11718,66 +11467,125 @@
           <a:bodyPr rtlCol="0" anchor="ctr"/>
           <a:lstStyle/>
           <a:p>
-            <a:r>
-              <a:rPr lang="en-US" sz="4400" b="1" dirty="0">
+            <a:pPr algn="ctr"/>
+            <a:endParaRPr lang="en-US"/>
+          </a:p>
+        </p:txBody>
+      </p:sp>
+      <p:sp>
+        <p:nvSpPr>
+          <p:cNvPr id="12" name="Oval 11">
+            <a:extLst>
+              <a:ext uri="{FF2B5EF4-FFF2-40B4-BE49-F238E27FC236}">
+                <a16:creationId xmlns:a16="http://schemas.microsoft.com/office/drawing/2014/main" id="{186EFF4A-61AE-498F-912B-59CDD2A8FA45}"/>
+              </a:ext>
+            </a:extLst>
+          </p:cNvPr>
+          <p:cNvSpPr/>
+          <p:nvPr/>
+        </p:nvSpPr>
+        <p:spPr>
+          <a:xfrm>
+            <a:off x="2437214" y="4318649"/>
+            <a:ext cx="2092104" cy="2092104"/>
+          </a:xfrm>
+          <a:prstGeom prst="ellipse">
+            <a:avLst/>
+          </a:prstGeom>
+          <a:noFill/>
+          <a:ln w="76200">
+            <a:solidFill>
+              <a:schemeClr val="accent2"/>
+            </a:solidFill>
+          </a:ln>
+        </p:spPr>
+        <p:style>
+          <a:lnRef idx="2">
+            <a:schemeClr val="accent1">
+              <a:shade val="50000"/>
+            </a:schemeClr>
+          </a:lnRef>
+          <a:fillRef idx="1">
+            <a:schemeClr val="accent1"/>
+          </a:fillRef>
+          <a:effectRef idx="0">
+            <a:schemeClr val="accent1"/>
+          </a:effectRef>
+          <a:fontRef idx="minor">
+            <a:schemeClr val="lt1"/>
+          </a:fontRef>
+        </p:style>
+        <p:txBody>
+          <a:bodyPr rtlCol="0" anchor="ctr"/>
+          <a:lstStyle/>
+          <a:p>
+            <a:pPr algn="ctr"/>
+            <a:r>
+              <a:rPr lang="en-US" sz="2800" b="1" dirty="0">
                 <a:solidFill>
                   <a:srgbClr val="FFFFFF"/>
                 </a:solidFill>
               </a:rPr>
-              <a:t>Open your notebook</a:t>
-            </a:r>
-          </a:p>
-          <a:p>
-            <a:endParaRPr lang="en-US" sz="4400" b="1" dirty="0">
-              <a:solidFill>
-                <a:srgbClr val="FFFFFF"/>
-              </a:solidFill>
-            </a:endParaRPr>
-          </a:p>
-          <a:p>
-            <a:r>
-              <a:rPr lang="en-US" sz="2800" b="1" dirty="0">
-                <a:solidFill>
-                  <a:srgbClr val="FFFFFF"/>
-                </a:solidFill>
-              </a:rPr>
-              <a:t>Click Link</a:t>
-            </a:r>
-            <a:r>
-              <a:rPr lang="en-US" sz="2800" b="1" dirty="0">
-                <a:solidFill>
-                  <a:schemeClr val="accent6"/>
-                </a:solidFill>
-              </a:rPr>
-              <a:t>:</a:t>
-            </a:r>
-          </a:p>
-          <a:p>
-            <a:r>
-              <a:rPr lang="en-US" sz="2800" b="1" dirty="0">
-                <a:solidFill>
-                  <a:schemeClr val="accent6"/>
-                </a:solidFill>
-              </a:rPr>
-              <a:t>3. </a:t>
-            </a:r>
-            <a:r>
-              <a:rPr lang="en-US" sz="2600" b="1" dirty="0">
-                <a:solidFill>
-                  <a:schemeClr val="accent6"/>
-                </a:solidFill>
-              </a:rPr>
-              <a:t>Breakout Session 1</a:t>
-            </a:r>
-          </a:p>
-        </p:txBody>
-      </p:sp>
-      <p:sp>
-        <p:nvSpPr>
-          <p:cNvPr id="4" name="TextBox 3">
-            <a:extLst>
-              <a:ext uri="{FF2B5EF4-FFF2-40B4-BE49-F238E27FC236}">
-                <a16:creationId xmlns:a16="http://schemas.microsoft.com/office/drawing/2014/main" id="{6676C54F-E834-416E-98EA-ADECA9251F71}"/>
+              <a:t>Check for Waldo</a:t>
+            </a:r>
+          </a:p>
+        </p:txBody>
+      </p:sp>
+      <p:sp>
+        <p:nvSpPr>
+          <p:cNvPr id="13" name="Arrow: Right 12">
+            <a:extLst>
+              <a:ext uri="{FF2B5EF4-FFF2-40B4-BE49-F238E27FC236}">
+                <a16:creationId xmlns:a16="http://schemas.microsoft.com/office/drawing/2014/main" id="{7C4C1ACB-F9BD-486E-BED2-7310B8F6952E}"/>
+              </a:ext>
+            </a:extLst>
+          </p:cNvPr>
+          <p:cNvSpPr/>
+          <p:nvPr/>
+        </p:nvSpPr>
+        <p:spPr>
+          <a:xfrm flipH="1">
+            <a:off x="1516346" y="5115214"/>
+            <a:ext cx="706612" cy="631231"/>
+          </a:xfrm>
+          <a:prstGeom prst="rightArrow">
+            <a:avLst/>
+          </a:prstGeom>
+          <a:ln>
+            <a:noFill/>
+          </a:ln>
+        </p:spPr>
+        <p:style>
+          <a:lnRef idx="2">
+            <a:schemeClr val="accent1">
+              <a:shade val="50000"/>
+            </a:schemeClr>
+          </a:lnRef>
+          <a:fillRef idx="1">
+            <a:schemeClr val="accent1"/>
+          </a:fillRef>
+          <a:effectRef idx="0">
+            <a:schemeClr val="accent1"/>
+          </a:effectRef>
+          <a:fontRef idx="minor">
+            <a:schemeClr val="lt1"/>
+          </a:fontRef>
+        </p:style>
+        <p:txBody>
+          <a:bodyPr rtlCol="0" anchor="ctr"/>
+          <a:lstStyle/>
+          <a:p>
+            <a:pPr algn="ctr"/>
+            <a:endParaRPr lang="en-US"/>
+          </a:p>
+        </p:txBody>
+      </p:sp>
+      <p:sp>
+        <p:nvSpPr>
+          <p:cNvPr id="14" name="TextBox 13">
+            <a:extLst>
+              <a:ext uri="{FF2B5EF4-FFF2-40B4-BE49-F238E27FC236}">
+                <a16:creationId xmlns:a16="http://schemas.microsoft.com/office/drawing/2014/main" id="{39D5FE98-2EBF-42F1-A953-6551D95D7EFA}"/>
               </a:ext>
             </a:extLst>
           </p:cNvPr>
@@ -11786,8 +11594,8 @@
         </p:nvSpPr>
         <p:spPr>
           <a:xfrm>
-            <a:off x="8276795" y="973836"/>
-            <a:ext cx="2918748" cy="461665"/>
+            <a:off x="130238" y="5169219"/>
+            <a:ext cx="1385123" cy="523220"/>
           </a:xfrm>
           <a:prstGeom prst="rect">
             <a:avLst/>
@@ -11801,100 +11609,28 @@
           <a:lstStyle/>
           <a:p>
             <a:r>
-              <a:rPr lang="en-US" sz="2400" b="1" dirty="0">
+              <a:rPr lang="en-US" sz="2800" b="1" dirty="0">
                 <a:solidFill>
                   <a:srgbClr val="FFFFFF"/>
                 </a:solidFill>
               </a:rPr>
-              <a:t>Vowels</a:t>
-            </a:r>
-            <a:r>
-              <a:rPr lang="en-US" sz="2400" b="1" dirty="0">
-                <a:solidFill>
-                  <a:schemeClr val="accent3"/>
-                </a:solidFill>
-              </a:rPr>
-              <a:t>:</a:t>
-            </a:r>
-            <a:r>
-              <a:rPr lang="en-US" sz="2400" b="1" dirty="0">
+              <a:t>Yes</a:t>
+            </a:r>
+            <a:r>
+              <a:rPr lang="en-US" sz="2800" b="1" dirty="0">
+                <a:solidFill>
+                  <a:schemeClr val="accent6"/>
+                </a:solidFill>
+              </a:rPr>
+              <a:t>/</a:t>
+            </a:r>
+            <a:r>
+              <a:rPr lang="en-US" sz="2800" b="1" dirty="0">
                 <a:solidFill>
                   <a:srgbClr val="FFFFFF"/>
                 </a:solidFill>
               </a:rPr>
-              <a:t> a</a:t>
-            </a:r>
-            <a:r>
-              <a:rPr lang="en-US" sz="2400" b="1" dirty="0">
-                <a:solidFill>
-                  <a:schemeClr val="accent3"/>
-                </a:solidFill>
-              </a:rPr>
-              <a:t>,</a:t>
-            </a:r>
-            <a:r>
-              <a:rPr lang="en-US" sz="2400" b="1" dirty="0">
-                <a:solidFill>
-                  <a:srgbClr val="FFFFFF"/>
-                </a:solidFill>
-              </a:rPr>
-              <a:t> e</a:t>
-            </a:r>
-            <a:r>
-              <a:rPr lang="en-US" sz="2400" b="1" dirty="0">
-                <a:solidFill>
-                  <a:schemeClr val="accent3"/>
-                </a:solidFill>
-              </a:rPr>
-              <a:t>,</a:t>
-            </a:r>
-            <a:r>
-              <a:rPr lang="en-US" sz="2400" b="1" dirty="0">
-                <a:solidFill>
-                  <a:srgbClr val="FFFFFF"/>
-                </a:solidFill>
-              </a:rPr>
-              <a:t> i</a:t>
-            </a:r>
-            <a:r>
-              <a:rPr lang="en-US" sz="2400" b="1" dirty="0">
-                <a:solidFill>
-                  <a:schemeClr val="accent3"/>
-                </a:solidFill>
-              </a:rPr>
-              <a:t>,</a:t>
-            </a:r>
-            <a:r>
-              <a:rPr lang="en-US" sz="2400" b="1" dirty="0">
-                <a:solidFill>
-                  <a:srgbClr val="FFFFFF"/>
-                </a:solidFill>
-              </a:rPr>
-              <a:t> o</a:t>
-            </a:r>
-            <a:r>
-              <a:rPr lang="en-US" sz="2400" b="1" dirty="0">
-                <a:solidFill>
-                  <a:schemeClr val="accent3"/>
-                </a:solidFill>
-              </a:rPr>
-              <a:t>,</a:t>
-            </a:r>
-            <a:r>
-              <a:rPr lang="en-US" sz="2400" b="1" dirty="0">
-                <a:solidFill>
-                  <a:srgbClr val="FFFFFF"/>
-                </a:solidFill>
-              </a:rPr>
-              <a:t> u</a:t>
-            </a:r>
-            <a:r>
-              <a:rPr lang="en-US" sz="2400" b="1" dirty="0">
-                <a:solidFill>
-                  <a:schemeClr val="accent3"/>
-                </a:solidFill>
-              </a:rPr>
-              <a:t>.</a:t>
+              <a:t>No</a:t>
             </a:r>
           </a:p>
         </p:txBody>
@@ -11902,7 +11638,7 @@
     </p:spTree>
     <p:extLst>
       <p:ext uri="{BB962C8B-B14F-4D97-AF65-F5344CB8AC3E}">
-        <p14:creationId xmlns:p14="http://schemas.microsoft.com/office/powerpoint/2010/main" val="1488241433"/>
+        <p14:creationId xmlns:p14="http://schemas.microsoft.com/office/powerpoint/2010/main" val="1988805112"/>
       </p:ext>
     </p:extLst>
   </p:cSld>
@@ -11967,7 +11703,7 @@
             </a:r>
             <a:r>
               <a:rPr lang="en-US" b="1" dirty="0"/>
-              <a:t>2</a:t>
+              <a:t>1</a:t>
             </a:r>
           </a:p>
         </p:txBody>
@@ -11996,13 +11732,13 @@
         </p:spPr>
         <p:txBody>
           <a:bodyPr>
-            <a:normAutofit lnSpcReduction="10000"/>
+            <a:normAutofit/>
           </a:bodyPr>
           <a:lstStyle/>
           <a:p>
             <a:r>
               <a:rPr lang="en-US" sz="3200" dirty="0"/>
-              <a:t>Write a function to return the unique separators in a string of integer codes</a:t>
+              <a:t>Write a function that takes in a string and returns the number of vowels in the string</a:t>
             </a:r>
             <a:r>
               <a:rPr lang="en-US" sz="3200" dirty="0">
@@ -12057,16 +11793,36 @@
           </a:p>
           <a:p>
             <a:r>
-              <a:rPr lang="en-US" sz="3200" dirty="0"/>
-              <a:t>The string only contains integers and separators</a:t>
-            </a:r>
-            <a:r>
               <a:rPr lang="en-US" sz="3200" dirty="0">
                 <a:solidFill>
-                  <a:schemeClr val="accent1"/>
-                </a:solidFill>
-              </a:rPr>
-              <a:t>.</a:t>
+                  <a:schemeClr val="accent6"/>
+                </a:solidFill>
+              </a:rPr>
+              <a:t>Test 1</a:t>
+            </a:r>
+          </a:p>
+          <a:p>
+            <a:pPr lvl="1"/>
+            <a:r>
+              <a:rPr lang="en-US" sz="2800" dirty="0">
+                <a:solidFill>
+                  <a:srgbClr val="00FF00"/>
+                </a:solidFill>
+                <a:latin typeface="Consolas" panose="020B0609020204030204" pitchFamily="49" charset="0"/>
+              </a:rPr>
+              <a:t>count_vowels('Happy Anniversary!')</a:t>
+            </a:r>
+          </a:p>
+          <a:p>
+            <a:pPr lvl="1"/>
+            <a:r>
+              <a:rPr lang="en-US" sz="2800" dirty="0">
+                <a:solidFill>
+                  <a:srgbClr val="00FF00"/>
+                </a:solidFill>
+                <a:latin typeface="Consolas" panose="020B0609020204030204" pitchFamily="49" charset="0"/>
+              </a:rPr>
+              <a:t>5</a:t>
             </a:r>
           </a:p>
           <a:p>
@@ -12076,76 +11832,32 @@
                   <a:schemeClr val="accent6"/>
                 </a:solidFill>
               </a:rPr>
-              <a:t>Test 1</a:t>
+              <a:t>Test 2</a:t>
             </a:r>
           </a:p>
           <a:p>
             <a:pPr lvl="1"/>
             <a:r>
-              <a:rPr lang="en-US" sz="2500" dirty="0">
+              <a:rPr lang="en-US" sz="2800" dirty="0">
                 <a:solidFill>
                   <a:srgbClr val="00FF00"/>
                 </a:solidFill>
                 <a:latin typeface="Consolas" panose="020B0609020204030204" pitchFamily="49" charset="0"/>
               </a:rPr>
-              <a:t>find_seperators('23,613-23;2:45')</a:t>
+              <a:t>count_vowels('xyz')</a:t>
             </a:r>
           </a:p>
           <a:p>
             <a:pPr lvl="1"/>
             <a:r>
-              <a:rPr lang="en-US" sz="2500" dirty="0">
+              <a:rPr lang="en-US" sz="2800" dirty="0">
                 <a:solidFill>
                   <a:srgbClr val="00FF00"/>
                 </a:solidFill>
                 <a:latin typeface="Consolas" panose="020B0609020204030204" pitchFamily="49" charset="0"/>
               </a:rPr>
-              <a:t>',-;:'</a:t>
-            </a:r>
-          </a:p>
-          <a:p>
-            <a:pPr lvl="1"/>
-            <a:r>
-              <a:rPr lang="en-US" sz="3200" dirty="0">
-                <a:solidFill>
-                  <a:schemeClr val="accent6"/>
-                </a:solidFill>
-              </a:rPr>
-              <a:t>Test 2</a:t>
-            </a:r>
-          </a:p>
-          <a:p>
-            <a:pPr lvl="1"/>
-            <a:r>
-              <a:rPr lang="en-US" sz="2500" dirty="0">
-                <a:solidFill>
-                  <a:srgbClr val="00FF00"/>
-                </a:solidFill>
-                <a:latin typeface="Consolas" panose="020B0609020204030204" pitchFamily="49" charset="0"/>
-              </a:rPr>
-              <a:t>find_seperators('613-555-3224')</a:t>
-            </a:r>
-          </a:p>
-          <a:p>
-            <a:pPr lvl="1"/>
-            <a:r>
-              <a:rPr lang="en-US" sz="2500" dirty="0">
-                <a:solidFill>
-                  <a:srgbClr val="00FF00"/>
-                </a:solidFill>
-                <a:latin typeface="Consolas" panose="020B0609020204030204" pitchFamily="49" charset="0"/>
-              </a:rPr>
-              <a:t>'-'</a:t>
-            </a:r>
-          </a:p>
-          <a:p>
-            <a:pPr lvl="1"/>
-            <a:endParaRPr lang="en-US" sz="2800" dirty="0">
-              <a:solidFill>
-                <a:srgbClr val="00FF00"/>
-              </a:solidFill>
-              <a:latin typeface="Consolas" panose="020B0609020204030204" pitchFamily="49" charset="0"/>
-            </a:endParaRPr>
+              <a:t>0</a:t>
+            </a:r>
           </a:p>
         </p:txBody>
       </p:sp>
@@ -12237,7 +11949,7 @@
                   <a:schemeClr val="accent6"/>
                 </a:solidFill>
               </a:rPr>
-              <a:t>4. </a:t>
+              <a:t>3. </a:t>
             </a:r>
             <a:r>
               <a:rPr lang="en-US" sz="2600" b="1" dirty="0">
@@ -12245,7 +11957,134 @@
                   <a:schemeClr val="accent6"/>
                 </a:solidFill>
               </a:rPr>
-              <a:t>Breakout Session 2</a:t>
+              <a:t>Breakout Session 1</a:t>
+            </a:r>
+          </a:p>
+        </p:txBody>
+      </p:sp>
+      <p:sp>
+        <p:nvSpPr>
+          <p:cNvPr id="4" name="TextBox 3">
+            <a:extLst>
+              <a:ext uri="{FF2B5EF4-FFF2-40B4-BE49-F238E27FC236}">
+                <a16:creationId xmlns:a16="http://schemas.microsoft.com/office/drawing/2014/main" id="{6676C54F-E834-416E-98EA-ADECA9251F71}"/>
+              </a:ext>
+            </a:extLst>
+          </p:cNvPr>
+          <p:cNvSpPr txBox="1"/>
+          <p:nvPr/>
+        </p:nvSpPr>
+        <p:spPr>
+          <a:xfrm>
+            <a:off x="8276795" y="973836"/>
+            <a:ext cx="2918748" cy="461665"/>
+          </a:xfrm>
+          <a:prstGeom prst="rect">
+            <a:avLst/>
+          </a:prstGeom>
+          <a:noFill/>
+        </p:spPr>
+        <p:txBody>
+          <a:bodyPr wrap="none" rtlCol="0">
+            <a:spAutoFit/>
+          </a:bodyPr>
+          <a:lstStyle/>
+          <a:p>
+            <a:r>
+              <a:rPr lang="en-US" sz="2400" b="1" dirty="0">
+                <a:solidFill>
+                  <a:srgbClr val="FFFFFF"/>
+                </a:solidFill>
+              </a:rPr>
+              <a:t>Vowels</a:t>
+            </a:r>
+            <a:r>
+              <a:rPr lang="en-US" sz="2400" b="1" dirty="0">
+                <a:solidFill>
+                  <a:schemeClr val="accent3"/>
+                </a:solidFill>
+              </a:rPr>
+              <a:t>:</a:t>
+            </a:r>
+            <a:r>
+              <a:rPr lang="en-US" sz="2400" b="1" dirty="0">
+                <a:solidFill>
+                  <a:srgbClr val="FFFFFF"/>
+                </a:solidFill>
+              </a:rPr>
+              <a:t> a</a:t>
+            </a:r>
+            <a:r>
+              <a:rPr lang="en-US" sz="2400" b="1" dirty="0">
+                <a:solidFill>
+                  <a:schemeClr val="accent3"/>
+                </a:solidFill>
+              </a:rPr>
+              <a:t>,</a:t>
+            </a:r>
+            <a:r>
+              <a:rPr lang="en-US" sz="2400" b="1" dirty="0">
+                <a:solidFill>
+                  <a:srgbClr val="FFFFFF"/>
+                </a:solidFill>
+              </a:rPr>
+              <a:t> e</a:t>
+            </a:r>
+            <a:r>
+              <a:rPr lang="en-US" sz="2400" b="1" dirty="0">
+                <a:solidFill>
+                  <a:schemeClr val="accent3"/>
+                </a:solidFill>
+              </a:rPr>
+              <a:t>,</a:t>
+            </a:r>
+            <a:r>
+              <a:rPr lang="en-US" sz="2400" b="1" dirty="0">
+                <a:solidFill>
+                  <a:srgbClr val="FFFFFF"/>
+                </a:solidFill>
+              </a:rPr>
+              <a:t> i</a:t>
+            </a:r>
+            <a:r>
+              <a:rPr lang="en-US" sz="2400" b="1" dirty="0">
+                <a:solidFill>
+                  <a:schemeClr val="accent3"/>
+                </a:solidFill>
+              </a:rPr>
+              <a:t>,</a:t>
+            </a:r>
+            <a:r>
+              <a:rPr lang="en-US" sz="2400" b="1" dirty="0">
+                <a:solidFill>
+                  <a:srgbClr val="FFFFFF"/>
+                </a:solidFill>
+              </a:rPr>
+              <a:t> o</a:t>
+            </a:r>
+            <a:r>
+              <a:rPr lang="en-US" sz="2400" b="1" dirty="0">
+                <a:solidFill>
+                  <a:schemeClr val="accent3"/>
+                </a:solidFill>
+              </a:rPr>
+              <a:t>,</a:t>
+            </a:r>
+            <a:r>
+              <a:rPr lang="en-US" sz="2400" b="1" dirty="0">
+                <a:solidFill>
+                  <a:srgbClr val="FFFFFF"/>
+                </a:solidFill>
+              </a:rPr>
+              <a:t> u</a:t>
+            </a:r>
+            <a:r>
+              <a:rPr lang="en-US" sz="2400" b="1" dirty="0">
+                <a:solidFill>
+                  <a:schemeClr val="accent3"/>
+                </a:solidFill>
+              </a:rPr>
+              <a:t>.</a:t>
             </a:r>
           </a:p>
         </p:txBody>
@@ -12253,7 +12092,7 @@
     </p:spTree>
     <p:extLst>
       <p:ext uri="{BB962C8B-B14F-4D97-AF65-F5344CB8AC3E}">
-        <p14:creationId xmlns:p14="http://schemas.microsoft.com/office/powerpoint/2010/main" val="377450774"/>
+        <p14:creationId xmlns:p14="http://schemas.microsoft.com/office/powerpoint/2010/main" val="1488241433"/>
       </p:ext>
     </p:extLst>
   </p:cSld>
@@ -12282,6 +12121,357 @@
       </p:grpSpPr>
       <p:sp>
         <p:nvSpPr>
+          <p:cNvPr id="2" name="Title 1">
+            <a:extLst>
+              <a:ext uri="{FF2B5EF4-FFF2-40B4-BE49-F238E27FC236}">
+                <a16:creationId xmlns:a16="http://schemas.microsoft.com/office/drawing/2014/main" id="{128C012E-E27C-4455-914A-F84B2E984449}"/>
+              </a:ext>
+            </a:extLst>
+          </p:cNvPr>
+          <p:cNvSpPr>
+            <a:spLocks noGrp="1"/>
+          </p:cNvSpPr>
+          <p:nvPr>
+            <p:ph type="title"/>
+          </p:nvPr>
+        </p:nvSpPr>
+        <p:spPr>
+          <a:xfrm>
+            <a:off x="838200" y="727514"/>
+            <a:ext cx="10515600" cy="656148"/>
+          </a:xfrm>
+        </p:spPr>
+        <p:txBody>
+          <a:bodyPr>
+            <a:normAutofit fontScale="90000"/>
+          </a:bodyPr>
+          <a:lstStyle/>
+          <a:p>
+            <a:r>
+              <a:rPr lang="en-US" b="1" dirty="0">
+                <a:solidFill>
+                  <a:schemeClr val="accent6"/>
+                </a:solidFill>
+              </a:rPr>
+              <a:t>Breakout Session </a:t>
+            </a:r>
+            <a:r>
+              <a:rPr lang="en-US" b="1" dirty="0"/>
+              <a:t>2</a:t>
+            </a:r>
+          </a:p>
+        </p:txBody>
+      </p:sp>
+      <p:sp>
+        <p:nvSpPr>
+          <p:cNvPr id="3" name="Content Placeholder 2">
+            <a:extLst>
+              <a:ext uri="{FF2B5EF4-FFF2-40B4-BE49-F238E27FC236}">
+                <a16:creationId xmlns:a16="http://schemas.microsoft.com/office/drawing/2014/main" id="{86B251CA-11BF-441F-8DAF-B316636B94DD}"/>
+              </a:ext>
+            </a:extLst>
+          </p:cNvPr>
+          <p:cNvSpPr>
+            <a:spLocks noGrp="1"/>
+          </p:cNvSpPr>
+          <p:nvPr>
+            <p:ph idx="1"/>
+          </p:nvPr>
+        </p:nvSpPr>
+        <p:spPr>
+          <a:xfrm>
+            <a:off x="838200" y="1825624"/>
+            <a:ext cx="6825915" cy="4900029"/>
+          </a:xfrm>
+        </p:spPr>
+        <p:txBody>
+          <a:bodyPr>
+            <a:normAutofit lnSpcReduction="10000"/>
+          </a:bodyPr>
+          <a:lstStyle/>
+          <a:p>
+            <a:r>
+              <a:rPr lang="en-US" sz="3200" dirty="0"/>
+              <a:t>Write a function to return the unique separators in a string of integer codes</a:t>
+            </a:r>
+            <a:r>
+              <a:rPr lang="en-US" sz="3200" dirty="0">
+                <a:solidFill>
+                  <a:schemeClr val="accent1"/>
+                </a:solidFill>
+              </a:rPr>
+              <a:t>. (</a:t>
+            </a:r>
+            <a:r>
+              <a:rPr lang="en-US" sz="3200" dirty="0"/>
+              <a:t>use</a:t>
+            </a:r>
+            <a:r>
+              <a:rPr lang="en-US" sz="3200" dirty="0">
+                <a:solidFill>
+                  <a:schemeClr val="accent1"/>
+                </a:solidFill>
+              </a:rPr>
+              <a:t> </a:t>
+            </a:r>
+            <a:r>
+              <a:rPr lang="en-US" sz="3200" b="1" dirty="0">
+                <a:solidFill>
+                  <a:schemeClr val="accent6"/>
+                </a:solidFill>
+                <a:latin typeface="Courier New" panose="02070309020205020404" pitchFamily="49" charset="0"/>
+                <a:cs typeface="Courier New" panose="02070309020205020404" pitchFamily="49" charset="0"/>
+              </a:rPr>
+              <a:t>for</a:t>
+            </a:r>
+            <a:r>
+              <a:rPr lang="en-US" sz="3200" dirty="0">
+                <a:solidFill>
+                  <a:schemeClr val="accent1"/>
+                </a:solidFill>
+              </a:rPr>
+              <a:t> </a:t>
+            </a:r>
+            <a:r>
+              <a:rPr lang="en-US" sz="3200" dirty="0"/>
+              <a:t>loop</a:t>
+            </a:r>
+            <a:r>
+              <a:rPr lang="en-US" sz="3200" dirty="0">
+                <a:solidFill>
+                  <a:schemeClr val="accent1"/>
+                </a:solidFill>
+              </a:rPr>
+              <a:t>)</a:t>
+            </a:r>
+          </a:p>
+          <a:p>
+            <a:r>
+              <a:rPr lang="en-US" sz="3200" dirty="0"/>
+              <a:t>The string only contains integers and separators</a:t>
+            </a:r>
+            <a:r>
+              <a:rPr lang="en-US" sz="3200" dirty="0">
+                <a:solidFill>
+                  <a:schemeClr val="accent1"/>
+                </a:solidFill>
+              </a:rPr>
+              <a:t>.</a:t>
+            </a:r>
+          </a:p>
+          <a:p>
+            <a:r>
+              <a:rPr lang="en-US" sz="3200" dirty="0">
+                <a:solidFill>
+                  <a:schemeClr val="accent6"/>
+                </a:solidFill>
+              </a:rPr>
+              <a:t>Test 1</a:t>
+            </a:r>
+          </a:p>
+          <a:p>
+            <a:pPr lvl="1"/>
+            <a:r>
+              <a:rPr lang="en-US" sz="2500" dirty="0">
+                <a:solidFill>
+                  <a:srgbClr val="00FF00"/>
+                </a:solidFill>
+                <a:latin typeface="Consolas" panose="020B0609020204030204" pitchFamily="49" charset="0"/>
+              </a:rPr>
+              <a:t>find_seperators('23,613-23;2:45')</a:t>
+            </a:r>
+          </a:p>
+          <a:p>
+            <a:pPr lvl="1"/>
+            <a:r>
+              <a:rPr lang="en-US" sz="2500" dirty="0">
+                <a:solidFill>
+                  <a:srgbClr val="00FF00"/>
+                </a:solidFill>
+                <a:latin typeface="Consolas" panose="020B0609020204030204" pitchFamily="49" charset="0"/>
+              </a:rPr>
+              <a:t>',-;:'</a:t>
+            </a:r>
+          </a:p>
+          <a:p>
+            <a:pPr lvl="1"/>
+            <a:r>
+              <a:rPr lang="en-US" sz="3200" dirty="0">
+                <a:solidFill>
+                  <a:schemeClr val="accent6"/>
+                </a:solidFill>
+              </a:rPr>
+              <a:t>Test 2</a:t>
+            </a:r>
+          </a:p>
+          <a:p>
+            <a:pPr lvl="1"/>
+            <a:r>
+              <a:rPr lang="en-US" sz="2500" dirty="0">
+                <a:solidFill>
+                  <a:srgbClr val="00FF00"/>
+                </a:solidFill>
+                <a:latin typeface="Consolas" panose="020B0609020204030204" pitchFamily="49" charset="0"/>
+              </a:rPr>
+              <a:t>find_seperators('613-555-3224')</a:t>
+            </a:r>
+          </a:p>
+          <a:p>
+            <a:pPr lvl="1"/>
+            <a:r>
+              <a:rPr lang="en-US" sz="2500" dirty="0">
+                <a:solidFill>
+                  <a:srgbClr val="00FF00"/>
+                </a:solidFill>
+                <a:latin typeface="Consolas" panose="020B0609020204030204" pitchFamily="49" charset="0"/>
+              </a:rPr>
+              <a:t>'-'</a:t>
+            </a:r>
+          </a:p>
+          <a:p>
+            <a:pPr lvl="1"/>
+            <a:endParaRPr lang="en-US" sz="2800" dirty="0">
+              <a:solidFill>
+                <a:srgbClr val="00FF00"/>
+              </a:solidFill>
+              <a:latin typeface="Consolas" panose="020B0609020204030204" pitchFamily="49" charset="0"/>
+            </a:endParaRPr>
+          </a:p>
+        </p:txBody>
+      </p:sp>
+      <p:sp>
+        <p:nvSpPr>
+          <p:cNvPr id="11" name="Rectangle: Rounded Corners 10">
+            <a:extLst>
+              <a:ext uri="{FF2B5EF4-FFF2-40B4-BE49-F238E27FC236}">
+                <a16:creationId xmlns:a16="http://schemas.microsoft.com/office/drawing/2014/main" id="{2AD12892-252D-47E8-9C1B-32729A13BC0B}"/>
+              </a:ext>
+            </a:extLst>
+          </p:cNvPr>
+          <p:cNvSpPr/>
+          <p:nvPr/>
+        </p:nvSpPr>
+        <p:spPr>
+          <a:xfrm>
+            <a:off x="7844590" y="1949006"/>
+            <a:ext cx="3958389" cy="4418765"/>
+          </a:xfrm>
+          <a:prstGeom prst="roundRect">
+            <a:avLst/>
+          </a:prstGeom>
+          <a:noFill/>
+          <a:ln w="76200">
+            <a:solidFill>
+              <a:schemeClr val="accent2"/>
+            </a:solidFill>
+          </a:ln>
+        </p:spPr>
+        <p:style>
+          <a:lnRef idx="2">
+            <a:schemeClr val="accent1">
+              <a:shade val="50000"/>
+            </a:schemeClr>
+          </a:lnRef>
+          <a:fillRef idx="1">
+            <a:schemeClr val="accent1"/>
+          </a:fillRef>
+          <a:effectRef idx="0">
+            <a:schemeClr val="accent1"/>
+          </a:effectRef>
+          <a:fontRef idx="minor">
+            <a:schemeClr val="lt1"/>
+          </a:fontRef>
+        </p:style>
+        <p:txBody>
+          <a:bodyPr rtlCol="0" anchor="ctr"/>
+          <a:lstStyle/>
+          <a:p>
+            <a:r>
+              <a:rPr lang="en-US" sz="4400" b="1" dirty="0">
+                <a:solidFill>
+                  <a:srgbClr val="FFFFFF"/>
+                </a:solidFill>
+              </a:rPr>
+              <a:t>Open your notebook</a:t>
+            </a:r>
+          </a:p>
+          <a:p>
+            <a:endParaRPr lang="en-US" sz="4400" b="1" dirty="0">
+              <a:solidFill>
+                <a:srgbClr val="FFFFFF"/>
+              </a:solidFill>
+            </a:endParaRPr>
+          </a:p>
+          <a:p>
+            <a:r>
+              <a:rPr lang="en-US" sz="2800" b="1" dirty="0">
+                <a:solidFill>
+                  <a:srgbClr val="FFFFFF"/>
+                </a:solidFill>
+              </a:rPr>
+              <a:t>Click Link</a:t>
+            </a:r>
+            <a:r>
+              <a:rPr lang="en-US" sz="2800" b="1" dirty="0">
+                <a:solidFill>
+                  <a:schemeClr val="accent6"/>
+                </a:solidFill>
+              </a:rPr>
+              <a:t>:</a:t>
+            </a:r>
+          </a:p>
+          <a:p>
+            <a:r>
+              <a:rPr lang="en-US" sz="2800" b="1" dirty="0">
+                <a:solidFill>
+                  <a:schemeClr val="accent6"/>
+                </a:solidFill>
+              </a:rPr>
+              <a:t>4. </a:t>
+            </a:r>
+            <a:r>
+              <a:rPr lang="en-US" sz="2600" b="1" dirty="0">
+                <a:solidFill>
+                  <a:schemeClr val="accent6"/>
+                </a:solidFill>
+              </a:rPr>
+              <a:t>Breakout Session 2</a:t>
+            </a:r>
+          </a:p>
+        </p:txBody>
+      </p:sp>
+    </p:spTree>
+    <p:extLst>
+      <p:ext uri="{BB962C8B-B14F-4D97-AF65-F5344CB8AC3E}">
+        <p14:creationId xmlns:p14="http://schemas.microsoft.com/office/powerpoint/2010/main" val="377450774"/>
+      </p:ext>
+    </p:extLst>
+  </p:cSld>
+  <p:clrMapOvr>
+    <a:masterClrMapping/>
+  </p:clrMapOvr>
+</p:sld>
+</file>
+
+<file path=ppt/slides/slide33.xml><?xml version="1.0" encoding="utf-8"?>
+<p:sld xmlns:a="http://schemas.openxmlformats.org/drawingml/2006/main" xmlns:r="http://schemas.openxmlformats.org/officeDocument/2006/relationships" xmlns:p="http://schemas.openxmlformats.org/presentationml/2006/main">
+  <p:cSld>
+    <p:spTree>
+      <p:nvGrpSpPr>
+        <p:cNvPr id="1" name=""/>
+        <p:cNvGrpSpPr/>
+        <p:nvPr/>
+      </p:nvGrpSpPr>
+      <p:grpSpPr>
+        <a:xfrm>
+          <a:off x="0" y="0"/>
+          <a:ext cx="0" cy="0"/>
+          <a:chOff x="0" y="0"/>
+          <a:chExt cx="0" cy="0"/>
+        </a:xfrm>
+      </p:grpSpPr>
+      <p:sp>
+        <p:nvSpPr>
           <p:cNvPr id="4" name="Title 3">
             <a:extLst>
               <a:ext uri="{FF2B5EF4-FFF2-40B4-BE49-F238E27FC236}">
@@ -12476,7 +12666,7 @@
 </p:sld>
 </file>
 
-<file path=ppt/slides/slide33.xml><?xml version="1.0" encoding="utf-8"?>
+<file path=ppt/slides/slide34.xml><?xml version="1.0" encoding="utf-8"?>
 <p:sld xmlns:a="http://schemas.openxmlformats.org/drawingml/2006/main" xmlns:r="http://schemas.openxmlformats.org/officeDocument/2006/relationships" xmlns:p="http://schemas.openxmlformats.org/presentationml/2006/main">
   <p:cSld>
     <p:spTree>
